--- a/Final Project.pptx
+++ b/Final Project.pptx
@@ -17,23 +17,24 @@
     <p:sldId id="262" r:id="rId12"/>
     <p:sldId id="263" r:id="rId13"/>
     <p:sldId id="264" r:id="rId14"/>
+    <p:sldId id="265" r:id="rId15"/>
   </p:sldIdLst>
   <p:sldSz cy="5143500" cx="9144000"/>
   <p:notesSz cx="6858000" cy="9144000"/>
   <p:embeddedFontLst>
     <p:embeddedFont>
       <p:font typeface="Montserrat"/>
-      <p:regular r:id="rId15"/>
-      <p:bold r:id="rId16"/>
-      <p:italic r:id="rId17"/>
-      <p:boldItalic r:id="rId18"/>
+      <p:regular r:id="rId16"/>
+      <p:bold r:id="rId17"/>
+      <p:italic r:id="rId18"/>
+      <p:boldItalic r:id="rId19"/>
     </p:embeddedFont>
     <p:embeddedFont>
       <p:font typeface="Lato"/>
-      <p:regular r:id="rId19"/>
-      <p:bold r:id="rId20"/>
-      <p:italic r:id="rId21"/>
-      <p:boldItalic r:id="rId22"/>
+      <p:regular r:id="rId20"/>
+      <p:bold r:id="rId21"/>
+      <p:italic r:id="rId22"/>
+      <p:boldItalic r:id="rId23"/>
     </p:embeddedFont>
   </p:embeddedFontLst>
   <p:defaultTextStyle>
@@ -809,6 +810,105 @@
 </p:notes>
 </file>
 
+<file path=ppt/notesSlides/notesSlide10.xml><?xml version="1.0" encoding="utf-8"?>
+<p:notes xmlns:a="http://schemas.openxmlformats.org/drawingml/2006/main" xmlns:r="http://schemas.openxmlformats.org/officeDocument/2006/relationships" xmlns:mc="http://schemas.openxmlformats.org/markup-compatibility/2006" xmlns:mv="urn:schemas-microsoft-com:mac:vml" xmlns:p="http://schemas.openxmlformats.org/presentationml/2006/main" xmlns:c="http://schemas.openxmlformats.org/drawingml/2006/chart" xmlns:dgm="http://schemas.openxmlformats.org/drawingml/2006/diagram" xmlns:o="urn:schemas-microsoft-com:office:office" xmlns:v="urn:schemas-microsoft-com:vml" xmlns:pvml="urn:schemas-microsoft-com:office:powerpoint" xmlns:com="http://schemas.openxmlformats.org/drawingml/2006/compatibility" xmlns:p14="http://schemas.microsoft.com/office/powerpoint/2010/main" xmlns:p15="http://schemas.microsoft.com/office/powerpoint/2012/main" xmlns:ahyp="http://schemas.microsoft.com/office/drawing/2018/hyperlinkcolor" showMasterPhAnim="0" showMasterSp="0">
+  <p:cSld>
+    <p:spTree>
+      <p:nvGrpSpPr>
+        <p:cNvPr id="192" name="Shape 192"/>
+        <p:cNvGrpSpPr/>
+        <p:nvPr/>
+      </p:nvGrpSpPr>
+      <p:grpSpPr>
+        <a:xfrm>
+          <a:off x="0" y="0"/>
+          <a:ext cx="0" cy="0"/>
+          <a:chOff x="0" y="0"/>
+          <a:chExt cx="0" cy="0"/>
+        </a:xfrm>
+      </p:grpSpPr>
+      <p:sp>
+        <p:nvSpPr>
+          <p:cNvPr id="193" name="Google Shape;193;g1492184a7dc_0_0:notes"/>
+          <p:cNvSpPr/>
+          <p:nvPr>
+            <p:ph idx="2" type="sldImg"/>
+          </p:nvPr>
+        </p:nvSpPr>
+        <p:spPr>
+          <a:xfrm>
+            <a:off x="381300" y="685800"/>
+            <a:ext cx="6096000" cy="3429000"/>
+          </a:xfrm>
+          <a:custGeom>
+            <a:rect b="b" l="l" r="r" t="t"/>
+            <a:pathLst>
+              <a:path extrusionOk="0" h="120000" w="120000">
+                <a:moveTo>
+                  <a:pt x="0" y="0"/>
+                </a:moveTo>
+                <a:lnTo>
+                  <a:pt x="120000" y="0"/>
+                </a:lnTo>
+                <a:lnTo>
+                  <a:pt x="120000" y="120000"/>
+                </a:lnTo>
+                <a:lnTo>
+                  <a:pt x="0" y="120000"/>
+                </a:lnTo>
+                <a:close/>
+              </a:path>
+            </a:pathLst>
+          </a:custGeom>
+        </p:spPr>
+      </p:sp>
+      <p:sp>
+        <p:nvSpPr>
+          <p:cNvPr id="194" name="Google Shape;194;g1492184a7dc_0_0:notes"/>
+          <p:cNvSpPr txBox="1"/>
+          <p:nvPr>
+            <p:ph idx="1" type="body"/>
+          </p:nvPr>
+        </p:nvSpPr>
+        <p:spPr>
+          <a:xfrm>
+            <a:off x="685800" y="4343400"/>
+            <a:ext cx="5486400" cy="4114800"/>
+          </a:xfrm>
+          <a:prstGeom prst="rect">
+            <a:avLst/>
+          </a:prstGeom>
+        </p:spPr>
+        <p:txBody>
+          <a:bodyPr anchorCtr="0" anchor="t" bIns="91425" lIns="91425" spcFirstLastPara="1" rIns="91425" wrap="square" tIns="91425">
+            <a:noAutofit/>
+          </a:bodyPr>
+          <a:lstStyle/>
+          <a:p>
+            <a:pPr indent="0" lvl="0" marL="0" rtl="0" algn="l">
+              <a:spcBef>
+                <a:spcPts val="0"/>
+              </a:spcBef>
+              <a:spcAft>
+                <a:spcPts val="0"/>
+              </a:spcAft>
+              <a:buNone/>
+            </a:pPr>
+            <a:r>
+              <a:t/>
+            </a:r>
+            <a:endParaRPr/>
+          </a:p>
+        </p:txBody>
+      </p:sp>
+    </p:spTree>
+  </p:cSld>
+  <p:clrMapOvr>
+    <a:masterClrMapping/>
+  </p:clrMapOvr>
+</p:notes>
+</file>
+
 <file path=ppt/notesSlides/notesSlide2.xml><?xml version="1.0" encoding="utf-8"?>
 <p:notes xmlns:a="http://schemas.openxmlformats.org/drawingml/2006/main" xmlns:r="http://schemas.openxmlformats.org/officeDocument/2006/relationships" xmlns:mc="http://schemas.openxmlformats.org/markup-compatibility/2006" xmlns:mv="urn:schemas-microsoft-com:mac:vml" xmlns:p="http://schemas.openxmlformats.org/presentationml/2006/main" xmlns:c="http://schemas.openxmlformats.org/drawingml/2006/chart" xmlns:dgm="http://schemas.openxmlformats.org/drawingml/2006/diagram" xmlns:o="urn:schemas-microsoft-com:office:office" xmlns:v="urn:schemas-microsoft-com:vml" xmlns:pvml="urn:schemas-microsoft-com:office:powerpoint" xmlns:com="http://schemas.openxmlformats.org/drawingml/2006/compatibility" xmlns:p14="http://schemas.microsoft.com/office/powerpoint/2010/main" xmlns:p15="http://schemas.microsoft.com/office/powerpoint/2012/main" xmlns:ahyp="http://schemas.microsoft.com/office/drawing/2018/hyperlinkcolor" showMasterPhAnim="0" showMasterSp="0">
   <p:cSld>
@@ -1012,7 +1112,7 @@
   <p:cSld>
     <p:spTree>
       <p:nvGrpSpPr>
-        <p:cNvPr id="149" name="Shape 149"/>
+        <p:cNvPr id="151" name="Shape 151"/>
         <p:cNvGrpSpPr/>
         <p:nvPr/>
       </p:nvGrpSpPr>
@@ -1026,7 +1126,7 @@
       </p:grpSpPr>
       <p:sp>
         <p:nvSpPr>
-          <p:cNvPr id="150" name="Google Shape;150;g14806ecf661_1_0:notes"/>
+          <p:cNvPr id="152" name="Google Shape;152;g14806ecf661_1_0:notes"/>
           <p:cNvSpPr/>
           <p:nvPr>
             <p:ph idx="2" type="sldImg"/>
@@ -1061,7 +1161,7 @@
       </p:sp>
       <p:sp>
         <p:nvSpPr>
-          <p:cNvPr id="151" name="Google Shape;151;g14806ecf661_1_0:notes"/>
+          <p:cNvPr id="153" name="Google Shape;153;g14806ecf661_1_0:notes"/>
           <p:cNvSpPr txBox="1"/>
           <p:nvPr>
             <p:ph idx="1" type="body"/>
@@ -1111,7 +1211,7 @@
   <p:cSld>
     <p:spTree>
       <p:nvGrpSpPr>
-        <p:cNvPr id="155" name="Shape 155"/>
+        <p:cNvPr id="158" name="Shape 158"/>
         <p:cNvGrpSpPr/>
         <p:nvPr/>
       </p:nvGrpSpPr>
@@ -1125,7 +1225,7 @@
       </p:grpSpPr>
       <p:sp>
         <p:nvSpPr>
-          <p:cNvPr id="156" name="Google Shape;156;g14806ecf661_0_17:notes"/>
+          <p:cNvPr id="159" name="Google Shape;159;g14806ecf661_1_5:notes"/>
           <p:cNvSpPr/>
           <p:nvPr>
             <p:ph idx="2" type="sldImg"/>
@@ -1160,7 +1260,7 @@
       </p:sp>
       <p:sp>
         <p:nvSpPr>
-          <p:cNvPr id="157" name="Google Shape;157;g14806ecf661_0_17:notes"/>
+          <p:cNvPr id="160" name="Google Shape;160;g14806ecf661_1_5:notes"/>
           <p:cNvSpPr txBox="1"/>
           <p:nvPr>
             <p:ph idx="1" type="body"/>
@@ -1210,7 +1310,7 @@
   <p:cSld>
     <p:spTree>
       <p:nvGrpSpPr>
-        <p:cNvPr id="161" name="Shape 161"/>
+        <p:cNvPr id="164" name="Shape 164"/>
         <p:cNvGrpSpPr/>
         <p:nvPr/>
       </p:nvGrpSpPr>
@@ -1224,7 +1324,7 @@
       </p:grpSpPr>
       <p:sp>
         <p:nvSpPr>
-          <p:cNvPr id="162" name="Google Shape;162;g14806ecf661_0_22:notes"/>
+          <p:cNvPr id="165" name="Google Shape;165;g14806ecf661_0_17:notes"/>
           <p:cNvSpPr/>
           <p:nvPr>
             <p:ph idx="2" type="sldImg"/>
@@ -1259,7 +1359,7 @@
       </p:sp>
       <p:sp>
         <p:nvSpPr>
-          <p:cNvPr id="163" name="Google Shape;163;g14806ecf661_0_22:notes"/>
+          <p:cNvPr id="166" name="Google Shape;166;g14806ecf661_0_17:notes"/>
           <p:cNvSpPr txBox="1"/>
           <p:nvPr>
             <p:ph idx="1" type="body"/>
@@ -1309,7 +1409,7 @@
   <p:cSld>
     <p:spTree>
       <p:nvGrpSpPr>
-        <p:cNvPr id="167" name="Shape 167"/>
+        <p:cNvPr id="171" name="Shape 171"/>
         <p:cNvGrpSpPr/>
         <p:nvPr/>
       </p:nvGrpSpPr>
@@ -1323,7 +1423,7 @@
       </p:grpSpPr>
       <p:sp>
         <p:nvSpPr>
-          <p:cNvPr id="168" name="Google Shape;168;g14806ecf661_0_27:notes"/>
+          <p:cNvPr id="172" name="Google Shape;172;g14806ecf661_0_22:notes"/>
           <p:cNvSpPr/>
           <p:nvPr>
             <p:ph idx="2" type="sldImg"/>
@@ -1358,7 +1458,7 @@
       </p:sp>
       <p:sp>
         <p:nvSpPr>
-          <p:cNvPr id="169" name="Google Shape;169;g14806ecf661_0_27:notes"/>
+          <p:cNvPr id="173" name="Google Shape;173;g14806ecf661_0_22:notes"/>
           <p:cNvSpPr txBox="1"/>
           <p:nvPr>
             <p:ph idx="1" type="body"/>
@@ -1408,7 +1508,7 @@
   <p:cSld>
     <p:spTree>
       <p:nvGrpSpPr>
-        <p:cNvPr id="173" name="Shape 173"/>
+        <p:cNvPr id="178" name="Shape 178"/>
         <p:cNvGrpSpPr/>
         <p:nvPr/>
       </p:nvGrpSpPr>
@@ -1422,7 +1522,7 @@
       </p:grpSpPr>
       <p:sp>
         <p:nvSpPr>
-          <p:cNvPr id="174" name="Google Shape;174;g14806ecf661_0_32:notes"/>
+          <p:cNvPr id="179" name="Google Shape;179;g14806ecf661_0_32:notes"/>
           <p:cNvSpPr/>
           <p:nvPr>
             <p:ph idx="2" type="sldImg"/>
@@ -1457,7 +1557,7 @@
       </p:sp>
       <p:sp>
         <p:nvSpPr>
-          <p:cNvPr id="175" name="Google Shape;175;g14806ecf661_0_32:notes"/>
+          <p:cNvPr id="180" name="Google Shape;180;g14806ecf661_0_32:notes"/>
           <p:cNvSpPr txBox="1"/>
           <p:nvPr>
             <p:ph idx="1" type="body"/>
@@ -1507,7 +1607,7 @@
   <p:cSld>
     <p:spTree>
       <p:nvGrpSpPr>
-        <p:cNvPr id="179" name="Shape 179"/>
+        <p:cNvPr id="186" name="Shape 186"/>
         <p:cNvGrpSpPr/>
         <p:nvPr/>
       </p:nvGrpSpPr>
@@ -1521,7 +1621,7 @@
       </p:grpSpPr>
       <p:sp>
         <p:nvSpPr>
-          <p:cNvPr id="180" name="Google Shape;180;g14806ecf661_0_37:notes"/>
+          <p:cNvPr id="187" name="Google Shape;187;g14806ecf661_0_37:notes"/>
           <p:cNvSpPr/>
           <p:nvPr>
             <p:ph idx="2" type="sldImg"/>
@@ -1556,7 +1656,7 @@
       </p:sp>
       <p:sp>
         <p:nvSpPr>
-          <p:cNvPr id="181" name="Google Shape;181;g14806ecf661_0_37:notes"/>
+          <p:cNvPr id="188" name="Google Shape;188;g14806ecf661_0_37:notes"/>
           <p:cNvSpPr txBox="1"/>
           <p:nvPr>
             <p:ph idx="1" type="body"/>
@@ -9889,6 +9989,317 @@
 </p:sld>
 </file>
 
+<file path=ppt/slides/slide10.xml><?xml version="1.0" encoding="utf-8"?>
+<p:sld xmlns:a="http://schemas.openxmlformats.org/drawingml/2006/main" xmlns:r="http://schemas.openxmlformats.org/officeDocument/2006/relationships" xmlns:mc="http://schemas.openxmlformats.org/markup-compatibility/2006" xmlns:mv="urn:schemas-microsoft-com:mac:vml" xmlns:p="http://schemas.openxmlformats.org/presentationml/2006/main" xmlns:c="http://schemas.openxmlformats.org/drawingml/2006/chart" xmlns:dgm="http://schemas.openxmlformats.org/drawingml/2006/diagram" xmlns:o="urn:schemas-microsoft-com:office:office" xmlns:v="urn:schemas-microsoft-com:vml" xmlns:pvml="urn:schemas-microsoft-com:office:powerpoint" xmlns:com="http://schemas.openxmlformats.org/drawingml/2006/compatibility" xmlns:p14="http://schemas.microsoft.com/office/powerpoint/2010/main" xmlns:p15="http://schemas.microsoft.com/office/powerpoint/2012/main" xmlns:ahyp="http://schemas.microsoft.com/office/drawing/2018/hyperlinkcolor">
+  <p:cSld>
+    <p:spTree>
+      <p:nvGrpSpPr>
+        <p:cNvPr id="195" name="Shape 195"/>
+        <p:cNvGrpSpPr/>
+        <p:nvPr/>
+      </p:nvGrpSpPr>
+      <p:grpSpPr>
+        <a:xfrm>
+          <a:off x="0" y="0"/>
+          <a:ext cx="0" cy="0"/>
+          <a:chOff x="0" y="0"/>
+          <a:chExt cx="0" cy="0"/>
+        </a:xfrm>
+      </p:grpSpPr>
+      <p:sp>
+        <p:nvSpPr>
+          <p:cNvPr id="196" name="Google Shape;196;p22"/>
+          <p:cNvSpPr txBox="1"/>
+          <p:nvPr>
+            <p:ph type="title"/>
+          </p:nvPr>
+        </p:nvSpPr>
+        <p:spPr>
+          <a:xfrm>
+            <a:off x="1297500" y="393750"/>
+            <a:ext cx="7038900" cy="914100"/>
+          </a:xfrm>
+          <a:prstGeom prst="rect">
+            <a:avLst/>
+          </a:prstGeom>
+        </p:spPr>
+        <p:txBody>
+          <a:bodyPr anchorCtr="0" anchor="t" bIns="91425" lIns="91425" spcFirstLastPara="1" rIns="91425" wrap="square" tIns="91425">
+            <a:normAutofit fontScale="90000"/>
+          </a:bodyPr>
+          <a:lstStyle/>
+          <a:p>
+            <a:pPr indent="0" lvl="0" marL="0" rtl="0" algn="l">
+              <a:spcBef>
+                <a:spcPts val="0"/>
+              </a:spcBef>
+              <a:spcAft>
+                <a:spcPts val="0"/>
+              </a:spcAft>
+              <a:buNone/>
+            </a:pPr>
+            <a:r>
+              <a:rPr lang="en"/>
+              <a:t>Benefits and Limitations of a Supervised Machine Learning Model (and the </a:t>
+            </a:r>
+            <a:r>
+              <a:rPr lang="en"/>
+              <a:t>algorithms</a:t>
+            </a:r>
+            <a:r>
+              <a:rPr lang="en"/>
+              <a:t>) </a:t>
+            </a:r>
+            <a:endParaRPr/>
+          </a:p>
+        </p:txBody>
+      </p:sp>
+      <p:sp>
+        <p:nvSpPr>
+          <p:cNvPr id="197" name="Google Shape;197;p22"/>
+          <p:cNvSpPr txBox="1"/>
+          <p:nvPr>
+            <p:ph idx="1" type="body"/>
+          </p:nvPr>
+        </p:nvSpPr>
+        <p:spPr>
+          <a:xfrm>
+            <a:off x="1297500" y="1174450"/>
+            <a:ext cx="7038900" cy="3558600"/>
+          </a:xfrm>
+          <a:prstGeom prst="rect">
+            <a:avLst/>
+          </a:prstGeom>
+        </p:spPr>
+        <p:txBody>
+          <a:bodyPr anchorCtr="0" anchor="t" bIns="91425" lIns="91425" spcFirstLastPara="1" rIns="91425" wrap="square" tIns="91425">
+            <a:normAutofit lnSpcReduction="20000"/>
+          </a:bodyPr>
+          <a:lstStyle/>
+          <a:p>
+            <a:pPr indent="-311150" lvl="0" marL="457200" rtl="0" algn="l">
+              <a:spcBef>
+                <a:spcPts val="0"/>
+              </a:spcBef>
+              <a:spcAft>
+                <a:spcPts val="0"/>
+              </a:spcAft>
+              <a:buSzPts val="1300"/>
+              <a:buChar char="●"/>
+            </a:pPr>
+            <a:r>
+              <a:rPr lang="en"/>
+              <a:t>Benefits: </a:t>
+            </a:r>
+            <a:endParaRPr/>
+          </a:p>
+          <a:p>
+            <a:pPr indent="-298450" lvl="1" marL="914400" rtl="0" algn="l">
+              <a:spcBef>
+                <a:spcPts val="0"/>
+              </a:spcBef>
+              <a:spcAft>
+                <a:spcPts val="0"/>
+              </a:spcAft>
+              <a:buSzPts val="1100"/>
+              <a:buChar char="○"/>
+            </a:pPr>
+            <a:r>
+              <a:rPr lang="en"/>
+              <a:t>Despite machine learning being a </a:t>
+            </a:r>
+            <a:r>
+              <a:rPr lang="en"/>
+              <a:t>relatively</a:t>
+            </a:r>
+            <a:r>
+              <a:rPr lang="en"/>
+              <a:t> advanced topic, the process of applying machine learning to our dataset was pretty </a:t>
+            </a:r>
+            <a:r>
+              <a:rPr lang="en"/>
+              <a:t>straightforward</a:t>
+            </a:r>
+            <a:r>
+              <a:rPr lang="en"/>
+              <a:t>. Since we are already given the labels (the “answers” in other words), all we had to do was find the right algorithm to use. </a:t>
+            </a:r>
+            <a:endParaRPr/>
+          </a:p>
+          <a:p>
+            <a:pPr indent="-298450" lvl="1" marL="914400" rtl="0" algn="l">
+              <a:spcBef>
+                <a:spcPts val="0"/>
+              </a:spcBef>
+              <a:spcAft>
+                <a:spcPts val="0"/>
+              </a:spcAft>
+              <a:buSzPts val="1100"/>
+              <a:buChar char="○"/>
+            </a:pPr>
+            <a:r>
+              <a:rPr lang="en"/>
+              <a:t>In addition, the algorithms used all have the same flow by </a:t>
+            </a:r>
+            <a:r>
+              <a:rPr lang="en"/>
+              <a:t>requiring</a:t>
+            </a:r>
+            <a:r>
+              <a:rPr lang="en"/>
+              <a:t> similar code in order to get the results we need. An example being the </a:t>
+            </a:r>
+            <a:r>
+              <a:rPr lang="en"/>
+              <a:t>similar</a:t>
+            </a:r>
+            <a:r>
+              <a:rPr lang="en"/>
+              <a:t> code is used to get the confusion matrix as well as printing out the accuracy scores.</a:t>
+            </a:r>
+            <a:endParaRPr/>
+          </a:p>
+          <a:p>
+            <a:pPr indent="0" lvl="0" marL="457200" rtl="0" algn="l">
+              <a:spcBef>
+                <a:spcPts val="1200"/>
+              </a:spcBef>
+              <a:spcAft>
+                <a:spcPts val="0"/>
+              </a:spcAft>
+              <a:buNone/>
+            </a:pPr>
+            <a:r>
+              <a:t/>
+            </a:r>
+            <a:endParaRPr/>
+          </a:p>
+          <a:p>
+            <a:pPr indent="-311150" lvl="0" marL="457200" rtl="0" algn="l">
+              <a:spcBef>
+                <a:spcPts val="1200"/>
+              </a:spcBef>
+              <a:spcAft>
+                <a:spcPts val="0"/>
+              </a:spcAft>
+              <a:buSzPts val="1300"/>
+              <a:buChar char="●"/>
+            </a:pPr>
+            <a:r>
+              <a:rPr lang="en"/>
+              <a:t>Limitations: </a:t>
+            </a:r>
+            <a:endParaRPr/>
+          </a:p>
+          <a:p>
+            <a:pPr indent="-298450" lvl="1" marL="914400" rtl="0" algn="l">
+              <a:spcBef>
+                <a:spcPts val="0"/>
+              </a:spcBef>
+              <a:spcAft>
+                <a:spcPts val="0"/>
+              </a:spcAft>
+              <a:buSzPts val="1100"/>
+              <a:buChar char="○"/>
+            </a:pPr>
+            <a:r>
+              <a:rPr lang="en"/>
+              <a:t>The first limitation we had </a:t>
+            </a:r>
+            <a:r>
+              <a:rPr lang="en"/>
+              <a:t>with</a:t>
+            </a:r>
+            <a:r>
+              <a:rPr lang="en"/>
+              <a:t> our model was with the dataset itself. The dataset goes until 2016 which means the model’s predictions can possibly more </a:t>
+            </a:r>
+            <a:r>
+              <a:rPr lang="en"/>
+              <a:t>inaccurate</a:t>
+            </a:r>
+            <a:r>
+              <a:rPr lang="en"/>
+              <a:t> the more time passes. </a:t>
+            </a:r>
+            <a:endParaRPr/>
+          </a:p>
+          <a:p>
+            <a:pPr indent="-298450" lvl="1" marL="914400" rtl="0" algn="l">
+              <a:spcBef>
+                <a:spcPts val="0"/>
+              </a:spcBef>
+              <a:spcAft>
+                <a:spcPts val="0"/>
+              </a:spcAft>
+              <a:buSzPts val="1100"/>
+              <a:buChar char="○"/>
+            </a:pPr>
+            <a:r>
+              <a:rPr lang="en"/>
+              <a:t>Also, in order to get the best results, we need to make good comparisons when it comes to coding itself. </a:t>
+            </a:r>
+            <a:r>
+              <a:rPr lang="en"/>
+              <a:t>This</a:t>
+            </a:r>
+            <a:r>
+              <a:rPr lang="en"/>
+              <a:t> is made apparent when there are too many factors in the dataset for the model to make the best predictions. This in turn causes some of the algorithms predictions and accuracy to be lower than we had hoped. </a:t>
+            </a:r>
+            <a:endParaRPr/>
+          </a:p>
+          <a:p>
+            <a:pPr indent="-298450" lvl="2" marL="1371600" rtl="0" algn="l">
+              <a:spcBef>
+                <a:spcPts val="0"/>
+              </a:spcBef>
+              <a:spcAft>
+                <a:spcPts val="0"/>
+              </a:spcAft>
+              <a:buSzPts val="1100"/>
+              <a:buChar char="■"/>
+            </a:pPr>
+            <a:r>
+              <a:rPr lang="en"/>
+              <a:t>This </a:t>
+            </a:r>
+            <a:r>
+              <a:rPr lang="en"/>
+              <a:t>isn't</a:t>
+            </a:r>
+            <a:r>
+              <a:rPr lang="en"/>
+              <a:t> necessarily the fault of the </a:t>
+            </a:r>
+            <a:r>
+              <a:rPr lang="en"/>
+              <a:t>algorithm</a:t>
+            </a:r>
+            <a:r>
+              <a:rPr lang="en"/>
+              <a:t> but </a:t>
+            </a:r>
+            <a:r>
+              <a:rPr lang="en"/>
+              <a:t>it's</a:t>
+            </a:r>
+            <a:r>
+              <a:rPr lang="en"/>
+              <a:t> something to take note of when working with slightly older data as well as a lot of factors to take into account all at once.</a:t>
+            </a:r>
+            <a:endParaRPr/>
+          </a:p>
+        </p:txBody>
+      </p:sp>
+    </p:spTree>
+  </p:cSld>
+  <p:clrMapOvr>
+    <a:masterClrMapping/>
+  </p:clrMapOvr>
+</p:sld>
+</file>
+
 <file path=ppt/slides/slide2.xml><?xml version="1.0" encoding="utf-8"?>
 <p:sld xmlns:a="http://schemas.openxmlformats.org/drawingml/2006/main" xmlns:r="http://schemas.openxmlformats.org/officeDocument/2006/relationships" xmlns:mc="http://schemas.openxmlformats.org/markup-compatibility/2006" xmlns:mv="urn:schemas-microsoft-com:mac:vml" xmlns:p="http://schemas.openxmlformats.org/presentationml/2006/main" xmlns:c="http://schemas.openxmlformats.org/drawingml/2006/chart" xmlns:dgm="http://schemas.openxmlformats.org/drawingml/2006/diagram" xmlns:o="urn:schemas-microsoft-com:office:office" xmlns:v="urn:schemas-microsoft-com:vml" xmlns:pvml="urn:schemas-microsoft-com:office:powerpoint" xmlns:com="http://schemas.openxmlformats.org/drawingml/2006/compatibility" xmlns:p14="http://schemas.microsoft.com/office/powerpoint/2010/main" xmlns:p15="http://schemas.microsoft.com/office/powerpoint/2012/main" xmlns:ahyp="http://schemas.microsoft.com/office/drawing/2018/hyperlinkcolor">
   <p:cSld>
@@ -9929,7 +10340,7 @@
           </a:bodyPr>
           <a:lstStyle/>
           <a:p>
-            <a:pPr indent="0" lvl="0" marL="2286000" rtl="0" algn="l">
+            <a:pPr indent="0" lvl="0" marL="0" rtl="0" algn="l">
               <a:spcBef>
                 <a:spcPts val="0"/>
               </a:spcBef>
@@ -10009,7 +10420,7 @@
         </p:spPr>
         <p:txBody>
           <a:bodyPr anchorCtr="0" anchor="t" bIns="91425" lIns="91425" spcFirstLastPara="1" rIns="91425" wrap="square" tIns="91425">
-            <a:normAutofit fontScale="92500" lnSpcReduction="20000"/>
+            <a:normAutofit fontScale="92500" lnSpcReduction="10000"/>
           </a:bodyPr>
           <a:lstStyle/>
           <a:p>
@@ -10023,13 +10434,13 @@
               <a:buNone/>
             </a:pPr>
             <a:r>
-              <a:rPr lang="en"/>
-              <a:t>Questions to be answered:</a:t>
+              <a:rPr lang="en" sz="1663"/>
+              <a:t>What do we want to know? </a:t>
             </a:r>
-            <a:endParaRPr/>
+            <a:endParaRPr sz="1663"/>
           </a:p>
           <a:p>
-            <a:pPr indent="0" lvl="0" marL="190500" marR="190500" rtl="0" algn="l">
+            <a:pPr indent="-296148" lvl="0" marL="457200" marR="190500" rtl="0" algn="l">
               <a:lnSpc>
                 <a:spcPct val="146668"/>
               </a:lnSpc>
@@ -10039,24 +10450,17 @@
               <a:spcAft>
                 <a:spcPts val="0"/>
               </a:spcAft>
-              <a:buNone/>
+              <a:buSzPct val="100000"/>
+              <a:buChar char="●"/>
             </a:pPr>
             <a:r>
-              <a:rPr lang="en" sz="1150">
-                <a:solidFill>
-                  <a:schemeClr val="dk1"/>
-                </a:solidFill>
-              </a:rPr>
-              <a:t>1) Are younger generations more susceptible to mental health problems and suicide?</a:t>
+              <a:rPr lang="en" sz="1150"/>
+              <a:t>Are younger generations more susceptible to mental health problems and suicide?</a:t>
             </a:r>
-            <a:endParaRPr sz="1150">
-              <a:solidFill>
-                <a:schemeClr val="dk1"/>
-              </a:solidFill>
-            </a:endParaRPr>
+            <a:endParaRPr sz="1150"/>
           </a:p>
           <a:p>
-            <a:pPr indent="0" lvl="0" marL="190500" marR="190500" rtl="0" algn="l">
+            <a:pPr indent="-304958" lvl="0" marL="457200" marR="190500" rtl="0" algn="l">
               <a:lnSpc>
                 <a:spcPct val="146668"/>
               </a:lnSpc>
@@ -10066,24 +10470,17 @@
               <a:spcAft>
                 <a:spcPts val="0"/>
               </a:spcAft>
-              <a:buNone/>
+              <a:buSzPct val="113043"/>
+              <a:buChar char="●"/>
             </a:pPr>
             <a:r>
-              <a:rPr lang="en" sz="1150">
-                <a:solidFill>
-                  <a:schemeClr val="dk1"/>
-                </a:solidFill>
-              </a:rPr>
-              <a:t>2) Which sex is committing suicide at a higher rate worldwide?</a:t>
+              <a:rPr lang="en" sz="1150"/>
+              <a:t>Which sex is committing suicide at a higher rate worldwide?</a:t>
             </a:r>
-            <a:endParaRPr sz="1150">
-              <a:solidFill>
-                <a:schemeClr val="dk1"/>
-              </a:solidFill>
-            </a:endParaRPr>
+            <a:endParaRPr sz="1150"/>
           </a:p>
           <a:p>
-            <a:pPr indent="0" lvl="0" marL="190500" marR="190500" rtl="0" algn="l">
+            <a:pPr indent="-304958" lvl="0" marL="457200" marR="190500" rtl="0" algn="l">
               <a:lnSpc>
                 <a:spcPct val="146668"/>
               </a:lnSpc>
@@ -10093,24 +10490,17 @@
               <a:spcAft>
                 <a:spcPts val="0"/>
               </a:spcAft>
-              <a:buNone/>
+              <a:buSzPct val="113043"/>
+              <a:buChar char="●"/>
             </a:pPr>
             <a:r>
-              <a:rPr lang="en" sz="1150">
-                <a:solidFill>
-                  <a:schemeClr val="dk1"/>
-                </a:solidFill>
-              </a:rPr>
-              <a:t>3) Which regions of the world are commuting suicide at a higher rate?</a:t>
+              <a:rPr lang="en" sz="1150"/>
+              <a:t>Which regions of the world are commuting suicide at a higher rate?</a:t>
             </a:r>
-            <a:endParaRPr sz="1150">
-              <a:solidFill>
-                <a:schemeClr val="dk1"/>
-              </a:solidFill>
-            </a:endParaRPr>
+            <a:endParaRPr sz="1150"/>
           </a:p>
           <a:p>
-            <a:pPr indent="0" lvl="0" marL="190500" marR="190500" rtl="0" algn="l">
+            <a:pPr indent="-304958" lvl="0" marL="457200" marR="190500" rtl="0" algn="l">
               <a:lnSpc>
                 <a:spcPct val="146668"/>
               </a:lnSpc>
@@ -10120,24 +10510,17 @@
               <a:spcAft>
                 <a:spcPts val="0"/>
               </a:spcAft>
-              <a:buNone/>
+              <a:buSzPct val="113043"/>
+              <a:buChar char="●"/>
             </a:pPr>
             <a:r>
-              <a:rPr lang="en" sz="1150">
-                <a:solidFill>
-                  <a:schemeClr val="dk1"/>
-                </a:solidFill>
-              </a:rPr>
-              <a:t>4) Does a country’s economy (GDP) affect suicide rates?</a:t>
+              <a:rPr lang="en" sz="1150"/>
+              <a:t>Does a country’s economy (GDP) affect suicide rates?</a:t>
             </a:r>
-            <a:endParaRPr sz="1150">
-              <a:solidFill>
-                <a:schemeClr val="dk1"/>
-              </a:solidFill>
-            </a:endParaRPr>
+            <a:endParaRPr sz="1150"/>
           </a:p>
           <a:p>
-            <a:pPr indent="0" lvl="0" marL="190500" marR="190500" rtl="0" algn="l">
+            <a:pPr indent="-304958" lvl="0" marL="457200" marR="190500" rtl="0" algn="l">
               <a:lnSpc>
                 <a:spcPct val="146668"/>
               </a:lnSpc>
@@ -10147,43 +10530,14 @@
               <a:spcAft>
                 <a:spcPts val="0"/>
               </a:spcAft>
-              <a:buNone/>
+              <a:buSzPct val="113043"/>
+              <a:buChar char="●"/>
             </a:pPr>
             <a:r>
-              <a:rPr lang="en" sz="1150">
-                <a:solidFill>
-                  <a:schemeClr val="dk1"/>
-                </a:solidFill>
-              </a:rPr>
-              <a:t>5) Over the years has suicides and bad mental health become a silent pandemic?</a:t>
+              <a:rPr lang="en" sz="1150"/>
+              <a:t>Over the years has suicides and bad mental health become a silent pandemic?</a:t>
             </a:r>
-            <a:endParaRPr sz="1150">
-              <a:solidFill>
-                <a:schemeClr val="dk1"/>
-              </a:solidFill>
-            </a:endParaRPr>
-          </a:p>
-          <a:p>
-            <a:pPr indent="0" lvl="0" marL="0" marR="190500" rtl="0" algn="l">
-              <a:lnSpc>
-                <a:spcPct val="146668"/>
-              </a:lnSpc>
-              <a:spcBef>
-                <a:spcPts val="0"/>
-              </a:spcBef>
-              <a:spcAft>
-                <a:spcPts val="0"/>
-              </a:spcAft>
-              <a:buNone/>
-            </a:pPr>
-            <a:r>
-              <a:t/>
-            </a:r>
-            <a:endParaRPr>
-              <a:solidFill>
-                <a:schemeClr val="dk1"/>
-              </a:solidFill>
-            </a:endParaRPr>
+            <a:endParaRPr/>
           </a:p>
         </p:txBody>
       </p:sp>
@@ -10260,24 +10614,151 @@
           </a:p>
         </p:txBody>
       </p:sp>
+      <p:sp>
+        <p:nvSpPr>
+          <p:cNvPr id="148" name="Google Shape;148;p15"/>
+          <p:cNvSpPr txBox="1"/>
+          <p:nvPr/>
+        </p:nvSpPr>
+        <p:spPr>
+          <a:xfrm>
+            <a:off x="1306650" y="4116025"/>
+            <a:ext cx="6120300" cy="400200"/>
+          </a:xfrm>
+          <a:prstGeom prst="rect">
+            <a:avLst/>
+          </a:prstGeom>
+          <a:noFill/>
+          <a:ln>
+            <a:noFill/>
+          </a:ln>
+        </p:spPr>
+        <p:txBody>
+          <a:bodyPr anchorCtr="0" anchor="t" bIns="91425" lIns="91425" spcFirstLastPara="1" rIns="91425" wrap="square" tIns="91425">
+            <a:spAutoFit/>
+          </a:bodyPr>
+          <a:lstStyle/>
+          <a:p>
+            <a:pPr indent="0" lvl="0" marL="0" rtl="0" algn="l">
+              <a:spcBef>
+                <a:spcPts val="0"/>
+              </a:spcBef>
+              <a:spcAft>
+                <a:spcPts val="0"/>
+              </a:spcAft>
+              <a:buNone/>
+            </a:pPr>
+            <a:r>
+              <a:t/>
+            </a:r>
+            <a:endParaRPr>
+              <a:latin typeface="Lato"/>
+              <a:ea typeface="Lato"/>
+              <a:cs typeface="Lato"/>
+              <a:sym typeface="Lato"/>
+            </a:endParaRPr>
+          </a:p>
+        </p:txBody>
+      </p:sp>
+      <p:sp>
+        <p:nvSpPr>
+          <p:cNvPr id="149" name="Google Shape;149;p15"/>
+          <p:cNvSpPr txBox="1"/>
+          <p:nvPr/>
+        </p:nvSpPr>
+        <p:spPr>
+          <a:xfrm>
+            <a:off x="1140750" y="3240775"/>
+            <a:ext cx="6840300" cy="1046700"/>
+          </a:xfrm>
+          <a:prstGeom prst="rect">
+            <a:avLst/>
+          </a:prstGeom>
+          <a:noFill/>
+          <a:ln>
+            <a:noFill/>
+          </a:ln>
+        </p:spPr>
+        <p:txBody>
+          <a:bodyPr anchorCtr="0" anchor="t" bIns="91425" lIns="91425" spcFirstLastPara="1" rIns="91425" wrap="square" tIns="91425">
+            <a:spAutoFit/>
+          </a:bodyPr>
+          <a:lstStyle/>
+          <a:p>
+            <a:pPr indent="0" lvl="0" marL="0" rtl="0" algn="l">
+              <a:spcBef>
+                <a:spcPts val="0"/>
+              </a:spcBef>
+              <a:spcAft>
+                <a:spcPts val="0"/>
+              </a:spcAft>
+              <a:buNone/>
+            </a:pPr>
+            <a:r>
+              <a:rPr lang="en">
+                <a:solidFill>
+                  <a:schemeClr val="lt1"/>
+                </a:solidFill>
+                <a:latin typeface="Lato"/>
+                <a:ea typeface="Lato"/>
+                <a:cs typeface="Lato"/>
+                <a:sym typeface="Lato"/>
+              </a:rPr>
+              <a:t>When we were creating the questions we created </a:t>
+            </a:r>
+            <a:r>
+              <a:rPr lang="en">
+                <a:solidFill>
+                  <a:schemeClr val="lt1"/>
+                </a:solidFill>
+                <a:latin typeface="Lato"/>
+                <a:ea typeface="Lato"/>
+                <a:cs typeface="Lato"/>
+                <a:sym typeface="Lato"/>
+              </a:rPr>
+              <a:t>hypothesis</a:t>
+            </a:r>
+            <a:r>
+              <a:rPr lang="en">
+                <a:solidFill>
+                  <a:schemeClr val="lt1"/>
+                </a:solidFill>
+                <a:latin typeface="Lato"/>
+                <a:ea typeface="Lato"/>
+                <a:cs typeface="Lato"/>
+                <a:sym typeface="Lato"/>
+              </a:rPr>
+              <a:t> of what we thought the answer would be. For this questions we assumed more suidice would be in people 30 or below. Through analyzing the data we discovered that in fat 34-54 year olds are more susceptible to suicides over any other age group. </a:t>
+            </a:r>
+            <a:endParaRPr>
+              <a:solidFill>
+                <a:schemeClr val="lt1"/>
+              </a:solidFill>
+              <a:latin typeface="Lato"/>
+              <a:ea typeface="Lato"/>
+              <a:cs typeface="Lato"/>
+              <a:sym typeface="Lato"/>
+            </a:endParaRPr>
+          </a:p>
+        </p:txBody>
+      </p:sp>
       <p:pic>
         <p:nvPicPr>
-          <p:cNvPr id="148" name="Google Shape;148;p15"/>
+          <p:cNvPr id="150" name="Google Shape;150;p15"/>
           <p:cNvPicPr preferRelativeResize="0"/>
           <p:nvPr/>
         </p:nvPicPr>
-        <p:blipFill>
+        <p:blipFill rotWithShape="1">
           <a:blip r:embed="rId3">
             <a:alphaModFix/>
           </a:blip>
-          <a:stretch>
-            <a:fillRect/>
-          </a:stretch>
+          <a:srcRect b="42915" l="0" r="0" t="0"/>
+          <a:stretch/>
         </p:blipFill>
         <p:spPr>
           <a:xfrm>
-            <a:off x="152400" y="1170125"/>
-            <a:ext cx="8651627" cy="3820975"/>
+            <a:off x="1407200" y="1261625"/>
+            <a:ext cx="5919200" cy="1582974"/>
           </a:xfrm>
           <a:prstGeom prst="rect">
             <a:avLst/>
@@ -10301,7 +10782,7 @@
   <p:cSld>
     <p:spTree>
       <p:nvGrpSpPr>
-        <p:cNvPr id="152" name="Shape 152"/>
+        <p:cNvPr id="154" name="Shape 154"/>
         <p:cNvGrpSpPr/>
         <p:nvPr/>
       </p:nvGrpSpPr>
@@ -10315,7 +10796,7 @@
       </p:grpSpPr>
       <p:sp>
         <p:nvSpPr>
-          <p:cNvPr id="153" name="Google Shape;153;p16"/>
+          <p:cNvPr id="155" name="Google Shape;155;p16"/>
           <p:cNvSpPr txBox="1"/>
           <p:nvPr>
             <p:ph type="title"/>
@@ -10346,32 +10827,63 @@
               <a:buNone/>
             </a:pPr>
             <a:r>
-              <a:t/>
+              <a:rPr lang="en" sz="1800"/>
+              <a:t>Suicide rates based on generations:</a:t>
             </a:r>
-            <a:endParaRPr/>
+            <a:endParaRPr sz="1800"/>
           </a:p>
         </p:txBody>
       </p:sp>
-      <p:sp>
-        <p:nvSpPr>
-          <p:cNvPr id="154" name="Google Shape;154;p16"/>
-          <p:cNvSpPr txBox="1"/>
-          <p:nvPr>
-            <p:ph idx="1" type="body"/>
-          </p:nvPr>
-        </p:nvSpPr>
+      <p:pic>
+        <p:nvPicPr>
+          <p:cNvPr id="156" name="Google Shape;156;p16"/>
+          <p:cNvPicPr preferRelativeResize="0"/>
+          <p:nvPr/>
+        </p:nvPicPr>
+        <p:blipFill>
+          <a:blip r:embed="rId3">
+            <a:alphaModFix/>
+          </a:blip>
+          <a:stretch>
+            <a:fillRect/>
+          </a:stretch>
+        </p:blipFill>
         <p:spPr>
           <a:xfrm>
-            <a:off x="1297500" y="1567550"/>
-            <a:ext cx="7038900" cy="2911200"/>
+            <a:off x="1869075" y="1114700"/>
+            <a:ext cx="4648248" cy="2343950"/>
           </a:xfrm>
           <a:prstGeom prst="rect">
             <a:avLst/>
           </a:prstGeom>
+          <a:noFill/>
+          <a:ln>
+            <a:noFill/>
+          </a:ln>
+        </p:spPr>
+      </p:pic>
+      <p:sp>
+        <p:nvSpPr>
+          <p:cNvPr id="157" name="Google Shape;157;p16"/>
+          <p:cNvSpPr txBox="1"/>
+          <p:nvPr/>
+        </p:nvSpPr>
+        <p:spPr>
+          <a:xfrm>
+            <a:off x="1002100" y="3636925"/>
+            <a:ext cx="6688500" cy="1262100"/>
+          </a:xfrm>
+          <a:prstGeom prst="rect">
+            <a:avLst/>
+          </a:prstGeom>
+          <a:noFill/>
+          <a:ln>
+            <a:noFill/>
+          </a:ln>
         </p:spPr>
         <p:txBody>
           <a:bodyPr anchorCtr="0" anchor="t" bIns="91425" lIns="91425" spcFirstLastPara="1" rIns="91425" wrap="square" tIns="91425">
-            <a:normAutofit/>
+            <a:spAutoFit/>
           </a:bodyPr>
           <a:lstStyle/>
           <a:p>
@@ -10380,14 +10892,43 @@
                 <a:spcPts val="0"/>
               </a:spcBef>
               <a:spcAft>
-                <a:spcPts val="1200"/>
+                <a:spcPts val="0"/>
               </a:spcAft>
               <a:buNone/>
             </a:pPr>
             <a:r>
-              <a:t/>
+              <a:rPr lang="en">
+                <a:solidFill>
+                  <a:schemeClr val="lt1"/>
+                </a:solidFill>
+                <a:latin typeface="Lato"/>
+                <a:ea typeface="Lato"/>
+                <a:cs typeface="Lato"/>
+                <a:sym typeface="Lato"/>
+              </a:rPr>
+              <a:t>As we can see on the graph different generations had spikes of suicides along the years. One that particularly stood out to us was that Gen x had a massive spike in suicides between the year 2008 and 2012. This </a:t>
             </a:r>
-            <a:endParaRPr/>
+            <a:r>
+              <a:rPr lang="en">
+                <a:solidFill>
+                  <a:schemeClr val="lt1"/>
+                </a:solidFill>
+                <a:latin typeface="Lato"/>
+                <a:ea typeface="Lato"/>
+                <a:cs typeface="Lato"/>
+                <a:sym typeface="Lato"/>
+              </a:rPr>
+              <a:t>caught our attention because gen x was the most affected by the housing crisis. Many families were put in trying positions and we’re sure that mental health was in crisis as well during that time. </a:t>
+            </a:r>
+            <a:endParaRPr>
+              <a:solidFill>
+                <a:schemeClr val="lt1"/>
+              </a:solidFill>
+              <a:latin typeface="Lato"/>
+              <a:ea typeface="Lato"/>
+              <a:cs typeface="Lato"/>
+              <a:sym typeface="Lato"/>
+            </a:endParaRPr>
           </a:p>
         </p:txBody>
       </p:sp>
@@ -10404,7 +10945,7 @@
   <p:cSld>
     <p:spTree>
       <p:nvGrpSpPr>
-        <p:cNvPr id="158" name="Shape 158"/>
+        <p:cNvPr id="161" name="Shape 161"/>
         <p:cNvGrpSpPr/>
         <p:nvPr/>
       </p:nvGrpSpPr>
@@ -10418,7 +10959,441 @@
       </p:grpSpPr>
       <p:sp>
         <p:nvSpPr>
-          <p:cNvPr id="159" name="Google Shape;159;p17"/>
+          <p:cNvPr id="162" name="Google Shape;162;p17"/>
+          <p:cNvSpPr txBox="1"/>
+          <p:nvPr>
+            <p:ph type="title"/>
+          </p:nvPr>
+        </p:nvSpPr>
+        <p:spPr>
+          <a:xfrm>
+            <a:off x="1297500" y="393750"/>
+            <a:ext cx="7038900" cy="914100"/>
+          </a:xfrm>
+          <a:prstGeom prst="rect">
+            <a:avLst/>
+          </a:prstGeom>
+        </p:spPr>
+        <p:txBody>
+          <a:bodyPr anchorCtr="0" anchor="t" bIns="91425" lIns="91425" spcFirstLastPara="1" rIns="91425" wrap="square" tIns="91425">
+            <a:normAutofit/>
+          </a:bodyPr>
+          <a:lstStyle/>
+          <a:p>
+            <a:pPr indent="0" lvl="0" marL="0" rtl="0" algn="l">
+              <a:spcBef>
+                <a:spcPts val="0"/>
+              </a:spcBef>
+              <a:spcAft>
+                <a:spcPts val="0"/>
+              </a:spcAft>
+              <a:buNone/>
+            </a:pPr>
+            <a:r>
+              <a:t/>
+            </a:r>
+            <a:endParaRPr/>
+          </a:p>
+        </p:txBody>
+      </p:sp>
+      <p:pic>
+        <p:nvPicPr>
+          <p:cNvPr id="163" name="Google Shape;163;p17"/>
+          <p:cNvPicPr preferRelativeResize="0"/>
+          <p:nvPr/>
+        </p:nvPicPr>
+        <p:blipFill>
+          <a:blip r:embed="rId3">
+            <a:alphaModFix/>
+          </a:blip>
+          <a:stretch>
+            <a:fillRect/>
+          </a:stretch>
+        </p:blipFill>
+        <p:spPr>
+          <a:xfrm>
+            <a:off x="1162600" y="1510875"/>
+            <a:ext cx="4365699" cy="2746801"/>
+          </a:xfrm>
+          <a:prstGeom prst="rect">
+            <a:avLst/>
+          </a:prstGeom>
+          <a:noFill/>
+          <a:ln>
+            <a:noFill/>
+          </a:ln>
+        </p:spPr>
+      </p:pic>
+    </p:spTree>
+  </p:cSld>
+  <p:clrMapOvr>
+    <a:masterClrMapping/>
+  </p:clrMapOvr>
+</p:sld>
+</file>
+
+<file path=ppt/slides/slide6.xml><?xml version="1.0" encoding="utf-8"?>
+<p:sld xmlns:a="http://schemas.openxmlformats.org/drawingml/2006/main" xmlns:r="http://schemas.openxmlformats.org/officeDocument/2006/relationships" xmlns:mc="http://schemas.openxmlformats.org/markup-compatibility/2006" xmlns:mv="urn:schemas-microsoft-com:mac:vml" xmlns:p="http://schemas.openxmlformats.org/presentationml/2006/main" xmlns:c="http://schemas.openxmlformats.org/drawingml/2006/chart" xmlns:dgm="http://schemas.openxmlformats.org/drawingml/2006/diagram" xmlns:o="urn:schemas-microsoft-com:office:office" xmlns:v="urn:schemas-microsoft-com:vml" xmlns:pvml="urn:schemas-microsoft-com:office:powerpoint" xmlns:com="http://schemas.openxmlformats.org/drawingml/2006/compatibility" xmlns:p14="http://schemas.microsoft.com/office/powerpoint/2010/main" xmlns:p15="http://schemas.microsoft.com/office/powerpoint/2012/main" xmlns:ahyp="http://schemas.microsoft.com/office/drawing/2018/hyperlinkcolor">
+  <p:cSld>
+    <p:spTree>
+      <p:nvGrpSpPr>
+        <p:cNvPr id="167" name="Shape 167"/>
+        <p:cNvGrpSpPr/>
+        <p:nvPr/>
+      </p:nvGrpSpPr>
+      <p:grpSpPr>
+        <a:xfrm>
+          <a:off x="0" y="0"/>
+          <a:ext cx="0" cy="0"/>
+          <a:chOff x="0" y="0"/>
+          <a:chExt cx="0" cy="0"/>
+        </a:xfrm>
+      </p:grpSpPr>
+      <p:sp>
+        <p:nvSpPr>
+          <p:cNvPr id="168" name="Google Shape;168;p18"/>
+          <p:cNvSpPr txBox="1"/>
+          <p:nvPr>
+            <p:ph type="title"/>
+          </p:nvPr>
+        </p:nvSpPr>
+        <p:spPr>
+          <a:xfrm>
+            <a:off x="1297500" y="393750"/>
+            <a:ext cx="7038900" cy="914100"/>
+          </a:xfrm>
+          <a:prstGeom prst="rect">
+            <a:avLst/>
+          </a:prstGeom>
+        </p:spPr>
+        <p:txBody>
+          <a:bodyPr anchorCtr="0" anchor="t" bIns="91425" lIns="91425" spcFirstLastPara="1" rIns="91425" wrap="square" tIns="91425">
+            <a:normAutofit/>
+          </a:bodyPr>
+          <a:lstStyle/>
+          <a:p>
+            <a:pPr indent="0" lvl="0" marL="0" marR="190500" rtl="0" algn="l">
+              <a:lnSpc>
+                <a:spcPct val="146668"/>
+              </a:lnSpc>
+              <a:spcBef>
+                <a:spcPts val="0"/>
+              </a:spcBef>
+              <a:spcAft>
+                <a:spcPts val="0"/>
+              </a:spcAft>
+              <a:buClr>
+                <a:schemeClr val="dk1"/>
+              </a:buClr>
+              <a:buSzPts val="1100"/>
+              <a:buFont typeface="Arial"/>
+              <a:buNone/>
+            </a:pPr>
+            <a:r>
+              <a:rPr lang="en" sz="1850"/>
+              <a:t>Which sex is committing suicide at a higher rate worldwide?</a:t>
+            </a:r>
+            <a:endParaRPr sz="3500"/>
+          </a:p>
+        </p:txBody>
+      </p:sp>
+      <p:sp>
+        <p:nvSpPr>
+          <p:cNvPr id="169" name="Google Shape;169;p18"/>
+          <p:cNvSpPr txBox="1"/>
+          <p:nvPr/>
+        </p:nvSpPr>
+        <p:spPr>
+          <a:xfrm>
+            <a:off x="1095100" y="3544125"/>
+            <a:ext cx="6663300" cy="1293000"/>
+          </a:xfrm>
+          <a:prstGeom prst="rect">
+            <a:avLst/>
+          </a:prstGeom>
+          <a:noFill/>
+          <a:ln>
+            <a:noFill/>
+          </a:ln>
+        </p:spPr>
+        <p:txBody>
+          <a:bodyPr anchorCtr="0" anchor="t" bIns="91425" lIns="91425" spcFirstLastPara="1" rIns="91425" wrap="square" tIns="91425">
+            <a:spAutoFit/>
+          </a:bodyPr>
+          <a:lstStyle/>
+          <a:p>
+            <a:pPr indent="0" lvl="0" marL="0" rtl="0" algn="l">
+              <a:spcBef>
+                <a:spcPts val="0"/>
+              </a:spcBef>
+              <a:spcAft>
+                <a:spcPts val="0"/>
+              </a:spcAft>
+              <a:buNone/>
+            </a:pPr>
+            <a:r>
+              <a:rPr lang="en" sz="1200">
+                <a:solidFill>
+                  <a:schemeClr val="lt1"/>
+                </a:solidFill>
+                <a:latin typeface="Lato"/>
+                <a:ea typeface="Lato"/>
+                <a:cs typeface="Lato"/>
+                <a:sym typeface="Lato"/>
+              </a:rPr>
+              <a:t>Our analysis has shown that men commit suicide worldwide at a higher rate than women. This number is not just a slight difference, it is staggering. Mental health might not be just a men problem but due to </a:t>
+            </a:r>
+            <a:r>
+              <a:rPr lang="en" sz="1200">
+                <a:solidFill>
+                  <a:schemeClr val="lt1"/>
+                </a:solidFill>
+                <a:latin typeface="Lato"/>
+                <a:ea typeface="Lato"/>
+                <a:cs typeface="Lato"/>
+                <a:sym typeface="Lato"/>
+              </a:rPr>
+              <a:t>societal</a:t>
+            </a:r>
+            <a:r>
+              <a:rPr lang="en" sz="1200">
+                <a:solidFill>
+                  <a:schemeClr val="lt1"/>
+                </a:solidFill>
+                <a:latin typeface="Lato"/>
+                <a:ea typeface="Lato"/>
+                <a:cs typeface="Lato"/>
+                <a:sym typeface="Lato"/>
+              </a:rPr>
+              <a:t> pressures and stereotypes less men seek help when struggling with mental health. Less men go to therapy, less men use anti depression medication, and more men feel the need to internalize their problems. All these factors lead to men having a high rate on suicide. About 73% of all suicide were men. </a:t>
+            </a:r>
+            <a:endParaRPr sz="1200">
+              <a:solidFill>
+                <a:schemeClr val="lt1"/>
+              </a:solidFill>
+              <a:latin typeface="Lato"/>
+              <a:ea typeface="Lato"/>
+              <a:cs typeface="Lato"/>
+              <a:sym typeface="Lato"/>
+            </a:endParaRPr>
+          </a:p>
+        </p:txBody>
+      </p:sp>
+      <p:pic>
+        <p:nvPicPr>
+          <p:cNvPr id="170" name="Google Shape;170;p18"/>
+          <p:cNvPicPr preferRelativeResize="0"/>
+          <p:nvPr/>
+        </p:nvPicPr>
+        <p:blipFill>
+          <a:blip r:embed="rId3">
+            <a:alphaModFix/>
+          </a:blip>
+          <a:stretch>
+            <a:fillRect/>
+          </a:stretch>
+        </p:blipFill>
+        <p:spPr>
+          <a:xfrm>
+            <a:off x="1895650" y="1620188"/>
+            <a:ext cx="4011951" cy="1384800"/>
+          </a:xfrm>
+          <a:prstGeom prst="rect">
+            <a:avLst/>
+          </a:prstGeom>
+          <a:noFill/>
+          <a:ln>
+            <a:noFill/>
+          </a:ln>
+        </p:spPr>
+      </p:pic>
+    </p:spTree>
+  </p:cSld>
+  <p:clrMapOvr>
+    <a:masterClrMapping/>
+  </p:clrMapOvr>
+</p:sld>
+</file>
+
+<file path=ppt/slides/slide7.xml><?xml version="1.0" encoding="utf-8"?>
+<p:sld xmlns:a="http://schemas.openxmlformats.org/drawingml/2006/main" xmlns:r="http://schemas.openxmlformats.org/officeDocument/2006/relationships" xmlns:mc="http://schemas.openxmlformats.org/markup-compatibility/2006" xmlns:mv="urn:schemas-microsoft-com:mac:vml" xmlns:p="http://schemas.openxmlformats.org/presentationml/2006/main" xmlns:c="http://schemas.openxmlformats.org/drawingml/2006/chart" xmlns:dgm="http://schemas.openxmlformats.org/drawingml/2006/diagram" xmlns:o="urn:schemas-microsoft-com:office:office" xmlns:v="urn:schemas-microsoft-com:vml" xmlns:pvml="urn:schemas-microsoft-com:office:powerpoint" xmlns:com="http://schemas.openxmlformats.org/drawingml/2006/compatibility" xmlns:p14="http://schemas.microsoft.com/office/powerpoint/2010/main" xmlns:p15="http://schemas.microsoft.com/office/powerpoint/2012/main" xmlns:ahyp="http://schemas.microsoft.com/office/drawing/2018/hyperlinkcolor">
+  <p:cSld>
+    <p:spTree>
+      <p:nvGrpSpPr>
+        <p:cNvPr id="174" name="Shape 174"/>
+        <p:cNvGrpSpPr/>
+        <p:nvPr/>
+      </p:nvGrpSpPr>
+      <p:grpSpPr>
+        <a:xfrm>
+          <a:off x="0" y="0"/>
+          <a:ext cx="0" cy="0"/>
+          <a:chOff x="0" y="0"/>
+          <a:chExt cx="0" cy="0"/>
+        </a:xfrm>
+      </p:grpSpPr>
+      <p:sp>
+        <p:nvSpPr>
+          <p:cNvPr id="175" name="Google Shape;175;p19"/>
+          <p:cNvSpPr txBox="1"/>
+          <p:nvPr>
+            <p:ph type="title"/>
+          </p:nvPr>
+        </p:nvSpPr>
+        <p:spPr>
+          <a:xfrm>
+            <a:off x="365150" y="491800"/>
+            <a:ext cx="8520600" cy="572700"/>
+          </a:xfrm>
+          <a:prstGeom prst="rect">
+            <a:avLst/>
+          </a:prstGeom>
+        </p:spPr>
+        <p:txBody>
+          <a:bodyPr anchorCtr="0" anchor="t" bIns="91425" lIns="91425" spcFirstLastPara="1" rIns="91425" wrap="square" tIns="91425">
+            <a:normAutofit/>
+          </a:bodyPr>
+          <a:lstStyle/>
+          <a:p>
+            <a:pPr indent="0" lvl="0" marL="190500" marR="190500" rtl="0" algn="l">
+              <a:lnSpc>
+                <a:spcPct val="146668"/>
+              </a:lnSpc>
+              <a:spcBef>
+                <a:spcPts val="0"/>
+              </a:spcBef>
+              <a:spcAft>
+                <a:spcPts val="0"/>
+              </a:spcAft>
+              <a:buClr>
+                <a:schemeClr val="dk1"/>
+              </a:buClr>
+              <a:buSzPts val="1100"/>
+              <a:buFont typeface="Arial"/>
+              <a:buNone/>
+            </a:pPr>
+            <a:r>
+              <a:rPr lang="en" sz="1750"/>
+              <a:t>Which regions of the world are commuting suicide at a higher rate?</a:t>
+            </a:r>
+            <a:endParaRPr sz="3400"/>
+          </a:p>
+        </p:txBody>
+      </p:sp>
+      <p:pic>
+        <p:nvPicPr>
+          <p:cNvPr id="176" name="Google Shape;176;p19"/>
+          <p:cNvPicPr preferRelativeResize="0"/>
+          <p:nvPr/>
+        </p:nvPicPr>
+        <p:blipFill>
+          <a:blip r:embed="rId3">
+            <a:alphaModFix/>
+          </a:blip>
+          <a:stretch>
+            <a:fillRect/>
+          </a:stretch>
+        </p:blipFill>
+        <p:spPr>
+          <a:xfrm>
+            <a:off x="2039425" y="1326625"/>
+            <a:ext cx="4866301" cy="2184875"/>
+          </a:xfrm>
+          <a:prstGeom prst="rect">
+            <a:avLst/>
+          </a:prstGeom>
+          <a:noFill/>
+          <a:ln>
+            <a:noFill/>
+          </a:ln>
+        </p:spPr>
+      </p:pic>
+      <p:sp>
+        <p:nvSpPr>
+          <p:cNvPr id="177" name="Google Shape;177;p19"/>
+          <p:cNvSpPr txBox="1"/>
+          <p:nvPr/>
+        </p:nvSpPr>
+        <p:spPr>
+          <a:xfrm>
+            <a:off x="1827425" y="3815200"/>
+            <a:ext cx="5381100" cy="1262100"/>
+          </a:xfrm>
+          <a:prstGeom prst="rect">
+            <a:avLst/>
+          </a:prstGeom>
+          <a:noFill/>
+          <a:ln>
+            <a:noFill/>
+          </a:ln>
+        </p:spPr>
+        <p:txBody>
+          <a:bodyPr anchorCtr="0" anchor="t" bIns="91425" lIns="91425" spcFirstLastPara="1" rIns="91425" wrap="square" tIns="91425">
+            <a:spAutoFit/>
+          </a:bodyPr>
+          <a:lstStyle/>
+          <a:p>
+            <a:pPr indent="0" lvl="0" marL="0" rtl="0" algn="l">
+              <a:spcBef>
+                <a:spcPts val="0"/>
+              </a:spcBef>
+              <a:spcAft>
+                <a:spcPts val="0"/>
+              </a:spcAft>
+              <a:buNone/>
+            </a:pPr>
+            <a:r>
+              <a:rPr lang="en">
+                <a:solidFill>
+                  <a:schemeClr val="lt1"/>
+                </a:solidFill>
+                <a:latin typeface="Lato"/>
+                <a:ea typeface="Lato"/>
+                <a:cs typeface="Lato"/>
+                <a:sym typeface="Lato"/>
+              </a:rPr>
+              <a:t>During our analysis of the data we uncovered that 1st world countries had more suicides per capita than anywhere else in the world. Our conclusion for the reasoning came to the reporting of the suicides and the other leading causes of death in those countries due to lack of resources. </a:t>
+            </a:r>
+            <a:endParaRPr>
+              <a:solidFill>
+                <a:schemeClr val="lt1"/>
+              </a:solidFill>
+              <a:latin typeface="Lato"/>
+              <a:ea typeface="Lato"/>
+              <a:cs typeface="Lato"/>
+              <a:sym typeface="Lato"/>
+            </a:endParaRPr>
+          </a:p>
+        </p:txBody>
+      </p:sp>
+    </p:spTree>
+  </p:cSld>
+  <p:clrMapOvr>
+    <a:masterClrMapping/>
+  </p:clrMapOvr>
+</p:sld>
+</file>
+
+<file path=ppt/slides/slide8.xml><?xml version="1.0" encoding="utf-8"?>
+<p:sld xmlns:a="http://schemas.openxmlformats.org/drawingml/2006/main" xmlns:r="http://schemas.openxmlformats.org/officeDocument/2006/relationships" xmlns:mc="http://schemas.openxmlformats.org/markup-compatibility/2006" xmlns:mv="urn:schemas-microsoft-com:mac:vml" xmlns:p="http://schemas.openxmlformats.org/presentationml/2006/main" xmlns:c="http://schemas.openxmlformats.org/drawingml/2006/chart" xmlns:dgm="http://schemas.openxmlformats.org/drawingml/2006/diagram" xmlns:o="urn:schemas-microsoft-com:office:office" xmlns:v="urn:schemas-microsoft-com:vml" xmlns:pvml="urn:schemas-microsoft-com:office:powerpoint" xmlns:com="http://schemas.openxmlformats.org/drawingml/2006/compatibility" xmlns:p14="http://schemas.microsoft.com/office/powerpoint/2010/main" xmlns:p15="http://schemas.microsoft.com/office/powerpoint/2012/main" xmlns:ahyp="http://schemas.microsoft.com/office/drawing/2018/hyperlinkcolor">
+  <p:cSld>
+    <p:spTree>
+      <p:nvGrpSpPr>
+        <p:cNvPr id="181" name="Shape 181"/>
+        <p:cNvGrpSpPr/>
+        <p:nvPr/>
+      </p:nvGrpSpPr>
+      <p:grpSpPr>
+        <a:xfrm>
+          <a:off x="0" y="0"/>
+          <a:ext cx="0" cy="0"/>
+          <a:chOff x="0" y="0"/>
+          <a:chExt cx="0" cy="0"/>
+        </a:xfrm>
+      </p:grpSpPr>
+      <p:sp>
+        <p:nvSpPr>
+          <p:cNvPr id="182" name="Google Shape;182;p20"/>
           <p:cNvSpPr txBox="1"/>
           <p:nvPr>
             <p:ph type="title"/>
@@ -10457,16 +11432,16 @@
               <a:buNone/>
             </a:pPr>
             <a:r>
-              <a:rPr lang="en" sz="1850"/>
-              <a:t> Which sex is committing suicide at a higher rate worldwide?</a:t>
+              <a:rPr lang="en" sz="1550"/>
+              <a:t>Over the years has suicides and bad mental health become a silent pandemic?</a:t>
             </a:r>
-            <a:endParaRPr sz="3500"/>
+            <a:endParaRPr sz="3200"/>
           </a:p>
         </p:txBody>
       </p:sp>
       <p:pic>
         <p:nvPicPr>
-          <p:cNvPr id="160" name="Google Shape;160;p17"/>
+          <p:cNvPr id="183" name="Google Shape;183;p20"/>
           <p:cNvPicPr preferRelativeResize="0"/>
           <p:nvPr/>
         </p:nvPicPr>
@@ -10480,8 +11455,8 @@
         </p:blipFill>
         <p:spPr>
           <a:xfrm>
-            <a:off x="867599" y="1498348"/>
-            <a:ext cx="7408802" cy="3184100"/>
+            <a:off x="2326875" y="1142800"/>
+            <a:ext cx="4162076" cy="2410501"/>
           </a:xfrm>
           <a:prstGeom prst="rect">
             <a:avLst/>
@@ -10492,6 +11467,110 @@
           </a:ln>
         </p:spPr>
       </p:pic>
+      <p:sp>
+        <p:nvSpPr>
+          <p:cNvPr id="184" name="Google Shape;184;p20"/>
+          <p:cNvSpPr txBox="1"/>
+          <p:nvPr/>
+        </p:nvSpPr>
+        <p:spPr>
+          <a:xfrm>
+            <a:off x="1569925" y="4000075"/>
+            <a:ext cx="7011900" cy="400200"/>
+          </a:xfrm>
+          <a:prstGeom prst="rect">
+            <a:avLst/>
+          </a:prstGeom>
+          <a:noFill/>
+          <a:ln>
+            <a:noFill/>
+          </a:ln>
+        </p:spPr>
+        <p:txBody>
+          <a:bodyPr anchorCtr="0" anchor="t" bIns="91425" lIns="91425" spcFirstLastPara="1" rIns="91425" wrap="square" tIns="91425">
+            <a:spAutoFit/>
+          </a:bodyPr>
+          <a:lstStyle/>
+          <a:p>
+            <a:pPr indent="0" lvl="0" marL="0" rtl="0" algn="l">
+              <a:spcBef>
+                <a:spcPts val="0"/>
+              </a:spcBef>
+              <a:spcAft>
+                <a:spcPts val="0"/>
+              </a:spcAft>
+              <a:buNone/>
+            </a:pPr>
+            <a:r>
+              <a:t/>
+            </a:r>
+            <a:endParaRPr>
+              <a:latin typeface="Lato"/>
+              <a:ea typeface="Lato"/>
+              <a:cs typeface="Lato"/>
+              <a:sym typeface="Lato"/>
+            </a:endParaRPr>
+          </a:p>
+        </p:txBody>
+      </p:sp>
+      <p:sp>
+        <p:nvSpPr>
+          <p:cNvPr id="185" name="Google Shape;185;p20"/>
+          <p:cNvSpPr txBox="1"/>
+          <p:nvPr/>
+        </p:nvSpPr>
+        <p:spPr>
+          <a:xfrm>
+            <a:off x="1279400" y="3669950"/>
+            <a:ext cx="6761100" cy="831300"/>
+          </a:xfrm>
+          <a:prstGeom prst="rect">
+            <a:avLst/>
+          </a:prstGeom>
+          <a:noFill/>
+          <a:ln>
+            <a:noFill/>
+          </a:ln>
+        </p:spPr>
+        <p:txBody>
+          <a:bodyPr anchorCtr="0" anchor="t" bIns="91425" lIns="91425" spcFirstLastPara="1" rIns="91425" wrap="square" tIns="91425">
+            <a:spAutoFit/>
+          </a:bodyPr>
+          <a:lstStyle/>
+          <a:p>
+            <a:pPr indent="0" lvl="0" marL="0" rtl="0" algn="l">
+              <a:spcBef>
+                <a:spcPts val="0"/>
+              </a:spcBef>
+              <a:spcAft>
+                <a:spcPts val="0"/>
+              </a:spcAft>
+              <a:buNone/>
+            </a:pPr>
+            <a:r>
+              <a:rPr lang="en">
+                <a:solidFill>
+                  <a:schemeClr val="lt1"/>
+                </a:solidFill>
+                <a:latin typeface="Lato"/>
+                <a:ea typeface="Lato"/>
+                <a:cs typeface="Lato"/>
+                <a:sym typeface="Lato"/>
+              </a:rPr>
+              <a:t>This graph shows the suicide rates throughout time for males and females. What we noticed is that men have exponentially increased while women have stayed about the same. </a:t>
+            </a:r>
+            <a:endParaRPr>
+              <a:solidFill>
+                <a:schemeClr val="lt1"/>
+              </a:solidFill>
+              <a:latin typeface="Lato"/>
+              <a:ea typeface="Lato"/>
+              <a:cs typeface="Lato"/>
+              <a:sym typeface="Lato"/>
+            </a:endParaRPr>
+          </a:p>
+        </p:txBody>
+      </p:sp>
     </p:spTree>
   </p:cSld>
   <p:clrMapOvr>
@@ -10500,12 +11579,12 @@
 </p:sld>
 </file>
 
-<file path=ppt/slides/slide6.xml><?xml version="1.0" encoding="utf-8"?>
+<file path=ppt/slides/slide9.xml><?xml version="1.0" encoding="utf-8"?>
 <p:sld xmlns:a="http://schemas.openxmlformats.org/drawingml/2006/main" xmlns:r="http://schemas.openxmlformats.org/officeDocument/2006/relationships" xmlns:mc="http://schemas.openxmlformats.org/markup-compatibility/2006" xmlns:mv="urn:schemas-microsoft-com:mac:vml" xmlns:p="http://schemas.openxmlformats.org/presentationml/2006/main" xmlns:c="http://schemas.openxmlformats.org/drawingml/2006/chart" xmlns:dgm="http://schemas.openxmlformats.org/drawingml/2006/diagram" xmlns:o="urn:schemas-microsoft-com:office:office" xmlns:v="urn:schemas-microsoft-com:vml" xmlns:pvml="urn:schemas-microsoft-com:office:powerpoint" xmlns:com="http://schemas.openxmlformats.org/drawingml/2006/compatibility" xmlns:p14="http://schemas.microsoft.com/office/powerpoint/2010/main" xmlns:p15="http://schemas.microsoft.com/office/powerpoint/2012/main" xmlns:ahyp="http://schemas.microsoft.com/office/drawing/2018/hyperlinkcolor">
   <p:cSld>
     <p:spTree>
       <p:nvGrpSpPr>
-        <p:cNvPr id="164" name="Shape 164"/>
+        <p:cNvPr id="189" name="Shape 189"/>
         <p:cNvGrpSpPr/>
         <p:nvPr/>
       </p:nvGrpSpPr>
@@ -10519,321 +11598,7 @@
       </p:grpSpPr>
       <p:sp>
         <p:nvSpPr>
-          <p:cNvPr id="165" name="Google Shape;165;p18"/>
-          <p:cNvSpPr txBox="1"/>
-          <p:nvPr>
-            <p:ph type="title"/>
-          </p:nvPr>
-        </p:nvSpPr>
-        <p:spPr>
-          <a:xfrm>
-            <a:off x="365150" y="491800"/>
-            <a:ext cx="8520600" cy="572700"/>
-          </a:xfrm>
-          <a:prstGeom prst="rect">
-            <a:avLst/>
-          </a:prstGeom>
-        </p:spPr>
-        <p:txBody>
-          <a:bodyPr anchorCtr="0" anchor="t" bIns="91425" lIns="91425" spcFirstLastPara="1" rIns="91425" wrap="square" tIns="91425">
-            <a:normAutofit/>
-          </a:bodyPr>
-          <a:lstStyle/>
-          <a:p>
-            <a:pPr indent="0" lvl="0" marL="190500" marR="190500" rtl="0" algn="l">
-              <a:lnSpc>
-                <a:spcPct val="146668"/>
-              </a:lnSpc>
-              <a:spcBef>
-                <a:spcPts val="0"/>
-              </a:spcBef>
-              <a:spcAft>
-                <a:spcPts val="0"/>
-              </a:spcAft>
-              <a:buClr>
-                <a:schemeClr val="dk1"/>
-              </a:buClr>
-              <a:buSzPts val="1100"/>
-              <a:buFont typeface="Arial"/>
-              <a:buNone/>
-            </a:pPr>
-            <a:r>
-              <a:rPr lang="en" sz="1750"/>
-              <a:t>Which regions of the world are commuting suicide at a higher rate?</a:t>
-            </a:r>
-            <a:endParaRPr sz="3400"/>
-          </a:p>
-        </p:txBody>
-      </p:sp>
-      <p:pic>
-        <p:nvPicPr>
-          <p:cNvPr id="166" name="Google Shape;166;p18"/>
-          <p:cNvPicPr preferRelativeResize="0"/>
-          <p:nvPr/>
-        </p:nvPicPr>
-        <p:blipFill>
-          <a:blip r:embed="rId3">
-            <a:alphaModFix/>
-          </a:blip>
-          <a:stretch>
-            <a:fillRect/>
-          </a:stretch>
-        </p:blipFill>
-        <p:spPr>
-          <a:xfrm>
-            <a:off x="368951" y="1216900"/>
-            <a:ext cx="8406098" cy="3774199"/>
-          </a:xfrm>
-          <a:prstGeom prst="rect">
-            <a:avLst/>
-          </a:prstGeom>
-          <a:noFill/>
-          <a:ln>
-            <a:noFill/>
-          </a:ln>
-        </p:spPr>
-      </p:pic>
-    </p:spTree>
-  </p:cSld>
-  <p:clrMapOvr>
-    <a:masterClrMapping/>
-  </p:clrMapOvr>
-</p:sld>
-</file>
-
-<file path=ppt/slides/slide7.xml><?xml version="1.0" encoding="utf-8"?>
-<p:sld xmlns:a="http://schemas.openxmlformats.org/drawingml/2006/main" xmlns:r="http://schemas.openxmlformats.org/officeDocument/2006/relationships" xmlns:mc="http://schemas.openxmlformats.org/markup-compatibility/2006" xmlns:mv="urn:schemas-microsoft-com:mac:vml" xmlns:p="http://schemas.openxmlformats.org/presentationml/2006/main" xmlns:c="http://schemas.openxmlformats.org/drawingml/2006/chart" xmlns:dgm="http://schemas.openxmlformats.org/drawingml/2006/diagram" xmlns:o="urn:schemas-microsoft-com:office:office" xmlns:v="urn:schemas-microsoft-com:vml" xmlns:pvml="urn:schemas-microsoft-com:office:powerpoint" xmlns:com="http://schemas.openxmlformats.org/drawingml/2006/compatibility" xmlns:p14="http://schemas.microsoft.com/office/powerpoint/2010/main" xmlns:p15="http://schemas.microsoft.com/office/powerpoint/2012/main" xmlns:ahyp="http://schemas.microsoft.com/office/drawing/2018/hyperlinkcolor">
-  <p:cSld>
-    <p:spTree>
-      <p:nvGrpSpPr>
-        <p:cNvPr id="170" name="Shape 170"/>
-        <p:cNvGrpSpPr/>
-        <p:nvPr/>
-      </p:nvGrpSpPr>
-      <p:grpSpPr>
-        <a:xfrm>
-          <a:off x="0" y="0"/>
-          <a:ext cx="0" cy="0"/>
-          <a:chOff x="0" y="0"/>
-          <a:chExt cx="0" cy="0"/>
-        </a:xfrm>
-      </p:grpSpPr>
-      <p:sp>
-        <p:nvSpPr>
-          <p:cNvPr id="171" name="Google Shape;171;p19"/>
-          <p:cNvSpPr txBox="1"/>
-          <p:nvPr>
-            <p:ph type="title"/>
-          </p:nvPr>
-        </p:nvSpPr>
-        <p:spPr>
-          <a:xfrm>
-            <a:off x="1297500" y="393750"/>
-            <a:ext cx="7038900" cy="914100"/>
-          </a:xfrm>
-          <a:prstGeom prst="rect">
-            <a:avLst/>
-          </a:prstGeom>
-        </p:spPr>
-        <p:txBody>
-          <a:bodyPr anchorCtr="0" anchor="t" bIns="91425" lIns="91425" spcFirstLastPara="1" rIns="91425" wrap="square" tIns="91425">
-            <a:normAutofit/>
-          </a:bodyPr>
-          <a:lstStyle/>
-          <a:p>
-            <a:pPr indent="0" lvl="0" marL="190500" marR="190500" rtl="0" algn="l">
-              <a:lnSpc>
-                <a:spcPct val="146668"/>
-              </a:lnSpc>
-              <a:spcBef>
-                <a:spcPts val="0"/>
-              </a:spcBef>
-              <a:spcAft>
-                <a:spcPts val="0"/>
-              </a:spcAft>
-              <a:buClr>
-                <a:schemeClr val="dk1"/>
-              </a:buClr>
-              <a:buSzPts val="1100"/>
-              <a:buFont typeface="Arial"/>
-              <a:buNone/>
-            </a:pPr>
-            <a:r>
-              <a:rPr lang="en" sz="1750"/>
-              <a:t> Does a country’s economy (GDP) affect suicide rates?</a:t>
-            </a:r>
-            <a:endParaRPr sz="3400"/>
-          </a:p>
-        </p:txBody>
-      </p:sp>
-      <p:sp>
-        <p:nvSpPr>
-          <p:cNvPr id="172" name="Google Shape;172;p19"/>
-          <p:cNvSpPr txBox="1"/>
-          <p:nvPr>
-            <p:ph idx="1" type="body"/>
-          </p:nvPr>
-        </p:nvSpPr>
-        <p:spPr>
-          <a:xfrm>
-            <a:off x="1297500" y="1567550"/>
-            <a:ext cx="7038900" cy="2911200"/>
-          </a:xfrm>
-          <a:prstGeom prst="rect">
-            <a:avLst/>
-          </a:prstGeom>
-        </p:spPr>
-        <p:txBody>
-          <a:bodyPr anchorCtr="0" anchor="t" bIns="91425" lIns="91425" spcFirstLastPara="1" rIns="91425" wrap="square" tIns="91425">
-            <a:normAutofit/>
-          </a:bodyPr>
-          <a:lstStyle/>
-          <a:p>
-            <a:pPr indent="0" lvl="0" marL="0" rtl="0" algn="l">
-              <a:spcBef>
-                <a:spcPts val="0"/>
-              </a:spcBef>
-              <a:spcAft>
-                <a:spcPts val="1200"/>
-              </a:spcAft>
-              <a:buNone/>
-            </a:pPr>
-            <a:r>
-              <a:t/>
-            </a:r>
-            <a:endParaRPr/>
-          </a:p>
-        </p:txBody>
-      </p:sp>
-    </p:spTree>
-  </p:cSld>
-  <p:clrMapOvr>
-    <a:masterClrMapping/>
-  </p:clrMapOvr>
-</p:sld>
-</file>
-
-<file path=ppt/slides/slide8.xml><?xml version="1.0" encoding="utf-8"?>
-<p:sld xmlns:a="http://schemas.openxmlformats.org/drawingml/2006/main" xmlns:r="http://schemas.openxmlformats.org/officeDocument/2006/relationships" xmlns:mc="http://schemas.openxmlformats.org/markup-compatibility/2006" xmlns:mv="urn:schemas-microsoft-com:mac:vml" xmlns:p="http://schemas.openxmlformats.org/presentationml/2006/main" xmlns:c="http://schemas.openxmlformats.org/drawingml/2006/chart" xmlns:dgm="http://schemas.openxmlformats.org/drawingml/2006/diagram" xmlns:o="urn:schemas-microsoft-com:office:office" xmlns:v="urn:schemas-microsoft-com:vml" xmlns:pvml="urn:schemas-microsoft-com:office:powerpoint" xmlns:com="http://schemas.openxmlformats.org/drawingml/2006/compatibility" xmlns:p14="http://schemas.microsoft.com/office/powerpoint/2010/main" xmlns:p15="http://schemas.microsoft.com/office/powerpoint/2012/main" xmlns:ahyp="http://schemas.microsoft.com/office/drawing/2018/hyperlinkcolor">
-  <p:cSld>
-    <p:spTree>
-      <p:nvGrpSpPr>
-        <p:cNvPr id="176" name="Shape 176"/>
-        <p:cNvGrpSpPr/>
-        <p:nvPr/>
-      </p:nvGrpSpPr>
-      <p:grpSpPr>
-        <a:xfrm>
-          <a:off x="0" y="0"/>
-          <a:ext cx="0" cy="0"/>
-          <a:chOff x="0" y="0"/>
-          <a:chExt cx="0" cy="0"/>
-        </a:xfrm>
-      </p:grpSpPr>
-      <p:sp>
-        <p:nvSpPr>
-          <p:cNvPr id="177" name="Google Shape;177;p20"/>
-          <p:cNvSpPr txBox="1"/>
-          <p:nvPr>
-            <p:ph type="title"/>
-          </p:nvPr>
-        </p:nvSpPr>
-        <p:spPr>
-          <a:xfrm>
-            <a:off x="1297500" y="393750"/>
-            <a:ext cx="7038900" cy="914100"/>
-          </a:xfrm>
-          <a:prstGeom prst="rect">
-            <a:avLst/>
-          </a:prstGeom>
-        </p:spPr>
-        <p:txBody>
-          <a:bodyPr anchorCtr="0" anchor="t" bIns="91425" lIns="91425" spcFirstLastPara="1" rIns="91425" wrap="square" tIns="91425">
-            <a:normAutofit/>
-          </a:bodyPr>
-          <a:lstStyle/>
-          <a:p>
-            <a:pPr indent="0" lvl="0" marL="190500" marR="190500" rtl="0" algn="l">
-              <a:lnSpc>
-                <a:spcPct val="146668"/>
-              </a:lnSpc>
-              <a:spcBef>
-                <a:spcPts val="0"/>
-              </a:spcBef>
-              <a:spcAft>
-                <a:spcPts val="0"/>
-              </a:spcAft>
-              <a:buClr>
-                <a:schemeClr val="dk1"/>
-              </a:buClr>
-              <a:buSzPts val="1100"/>
-              <a:buFont typeface="Arial"/>
-              <a:buNone/>
-            </a:pPr>
-            <a:r>
-              <a:rPr lang="en" sz="1550"/>
-              <a:t>Over the years has suicides and bad mental health become a silent pandemic?</a:t>
-            </a:r>
-            <a:endParaRPr sz="3200"/>
-          </a:p>
-        </p:txBody>
-      </p:sp>
-      <p:pic>
-        <p:nvPicPr>
-          <p:cNvPr id="178" name="Google Shape;178;p20"/>
-          <p:cNvPicPr preferRelativeResize="0"/>
-          <p:nvPr/>
-        </p:nvPicPr>
-        <p:blipFill>
-          <a:blip r:embed="rId3">
-            <a:alphaModFix/>
-          </a:blip>
-          <a:stretch>
-            <a:fillRect/>
-          </a:stretch>
-        </p:blipFill>
-        <p:spPr>
-          <a:xfrm>
-            <a:off x="1098750" y="1160425"/>
-            <a:ext cx="5435876" cy="3604850"/>
-          </a:xfrm>
-          <a:prstGeom prst="rect">
-            <a:avLst/>
-          </a:prstGeom>
-          <a:noFill/>
-          <a:ln>
-            <a:noFill/>
-          </a:ln>
-        </p:spPr>
-      </p:pic>
-    </p:spTree>
-  </p:cSld>
-  <p:clrMapOvr>
-    <a:masterClrMapping/>
-  </p:clrMapOvr>
-</p:sld>
-</file>
-
-<file path=ppt/slides/slide9.xml><?xml version="1.0" encoding="utf-8"?>
-<p:sld xmlns:a="http://schemas.openxmlformats.org/drawingml/2006/main" xmlns:r="http://schemas.openxmlformats.org/officeDocument/2006/relationships" xmlns:mc="http://schemas.openxmlformats.org/markup-compatibility/2006" xmlns:mv="urn:schemas-microsoft-com:mac:vml" xmlns:p="http://schemas.openxmlformats.org/presentationml/2006/main" xmlns:c="http://schemas.openxmlformats.org/drawingml/2006/chart" xmlns:dgm="http://schemas.openxmlformats.org/drawingml/2006/diagram" xmlns:o="urn:schemas-microsoft-com:office:office" xmlns:v="urn:schemas-microsoft-com:vml" xmlns:pvml="urn:schemas-microsoft-com:office:powerpoint" xmlns:com="http://schemas.openxmlformats.org/drawingml/2006/compatibility" xmlns:p14="http://schemas.microsoft.com/office/powerpoint/2010/main" xmlns:p15="http://schemas.microsoft.com/office/powerpoint/2012/main" xmlns:ahyp="http://schemas.microsoft.com/office/drawing/2018/hyperlinkcolor">
-  <p:cSld>
-    <p:spTree>
-      <p:nvGrpSpPr>
-        <p:cNvPr id="182" name="Shape 182"/>
-        <p:cNvGrpSpPr/>
-        <p:nvPr/>
-      </p:nvGrpSpPr>
-      <p:grpSpPr>
-        <a:xfrm>
-          <a:off x="0" y="0"/>
-          <a:ext cx="0" cy="0"/>
-          <a:chOff x="0" y="0"/>
-          <a:chExt cx="0" cy="0"/>
-        </a:xfrm>
-      </p:grpSpPr>
-      <p:sp>
-        <p:nvSpPr>
-          <p:cNvPr id="183" name="Google Shape;183;p21"/>
+          <p:cNvPr id="190" name="Google Shape;190;p21"/>
           <p:cNvSpPr txBox="1"/>
           <p:nvPr>
             <p:ph type="title"/>
@@ -10873,7 +11638,7 @@
       </p:sp>
       <p:sp>
         <p:nvSpPr>
-          <p:cNvPr id="184" name="Google Shape;184;p21"/>
+          <p:cNvPr id="191" name="Google Shape;191;p21"/>
           <p:cNvSpPr txBox="1"/>
           <p:nvPr>
             <p:ph idx="1" type="body"/>
@@ -10890,7 +11655,7 @@
         </p:spPr>
         <p:txBody>
           <a:bodyPr anchorCtr="0" anchor="t" bIns="91425" lIns="91425" spcFirstLastPara="1" rIns="91425" wrap="square" tIns="91425">
-            <a:normAutofit/>
+            <a:normAutofit lnSpcReduction="20000"/>
           </a:bodyPr>
           <a:lstStyle/>
           <a:p>
@@ -10923,7 +11688,32 @@
             </a:pPr>
             <a:r>
               <a:rPr lang="en"/>
-              <a:t>A Supervised Model was best simply because we already have the labeled outcomes using the dataset we picked out (from 1985 - 2016). </a:t>
+              <a:t>We first noticed that the data we had found provided the labels we needed in order to predict possible future trends. </a:t>
+            </a:r>
+            <a:endParaRPr/>
+          </a:p>
+          <a:p>
+            <a:pPr indent="-298450" lvl="2" marL="1371600" rtl="0" algn="l">
+              <a:spcBef>
+                <a:spcPts val="0"/>
+              </a:spcBef>
+              <a:spcAft>
+                <a:spcPts val="0"/>
+              </a:spcAft>
+              <a:buSzPts val="1100"/>
+              <a:buChar char="■"/>
+            </a:pPr>
+            <a:r>
+              <a:rPr lang="en"/>
+              <a:t>The labels gave us the “answers” and it was our job to explain the trend that is </a:t>
+            </a:r>
+            <a:r>
+              <a:rPr lang="en"/>
+              <a:t>occurring</a:t>
+            </a:r>
+            <a:r>
+              <a:rPr lang="en"/>
+              <a:t> based on what was given to us.  </a:t>
             </a:r>
             <a:endParaRPr/>
           </a:p>
@@ -10940,15 +11730,15 @@
             </a:pPr>
             <a:r>
               <a:rPr lang="en"/>
-              <a:t>We can make </a:t>
+              <a:t>In order to best look for trends, we believed using </a:t>
             </a:r>
             <a:r>
               <a:rPr lang="en"/>
-              <a:t>predictions</a:t>
+              <a:t>multiple</a:t>
             </a:r>
             <a:r>
               <a:rPr lang="en"/>
-              <a:t> based on the data we already have.  </a:t>
+              <a:t> algorithms per comparison can give us many different angles to look through. </a:t>
             </a:r>
             <a:endParaRPr/>
           </a:p>
@@ -10965,7 +11755,15 @@
             </a:pPr>
             <a:r>
               <a:rPr lang="en"/>
-              <a:t>The algorithms we used include:</a:t>
+              <a:t>The </a:t>
+            </a:r>
+            <a:r>
+              <a:rPr lang="en"/>
+              <a:t>algorithms</a:t>
+            </a:r>
+            <a:r>
+              <a:rPr lang="en"/>
+              <a:t> we found to be the best for our data include:</a:t>
             </a:r>
             <a:endParaRPr/>
           </a:p>
@@ -10982,7 +11780,7 @@
             </a:pPr>
             <a:r>
               <a:rPr lang="en"/>
-              <a:t>EasyEnsembleClassifier</a:t>
+              <a:t>BalancedRandomForestClassifier (multiple weaker trees used together can create a strong model)</a:t>
             </a:r>
             <a:endParaRPr/>
           </a:p>
@@ -10999,7 +11797,7 @@
             </a:pPr>
             <a:r>
               <a:rPr lang="en"/>
-              <a:t>BalancedRandomForestClassifier</a:t>
+              <a:t>SMOTEEN (using a combination of over and undersampling by dropping two nearest neighbors belonging to two different classics)</a:t>
             </a:r>
             <a:endParaRPr/>
           </a:p>
@@ -11016,24 +11814,23 @@
             </a:pPr>
             <a:r>
               <a:rPr lang="en"/>
-              <a:t>SMOTEEN</a:t>
+              <a:t>RandomOverSampler (the </a:t>
             </a:r>
-            <a:endParaRPr/>
-          </a:p>
-          <a:p>
-            <a:pPr indent="-298450" lvl="2" marL="1371600" rtl="0" algn="l">
-              <a:spcBef>
-                <a:spcPts val="0"/>
-              </a:spcBef>
-              <a:spcAft>
-                <a:spcPts val="0"/>
-              </a:spcAft>
-              <a:buSzPts val="1100"/>
-              <a:buChar char="■"/>
-            </a:pPr>
             <a:r>
               <a:rPr lang="en"/>
-              <a:t>RandomOverSampler</a:t>
+              <a:t>majority</a:t>
+            </a:r>
+            <a:r>
+              <a:rPr lang="en"/>
+              <a:t> and minority classes are </a:t>
+            </a:r>
+            <a:r>
+              <a:rPr lang="en"/>
+              <a:t>randomly</a:t>
+            </a:r>
+            <a:r>
+              <a:rPr lang="en"/>
+              <a:t> selected and added)</a:t>
             </a:r>
             <a:endParaRPr/>
           </a:p>
@@ -11062,6 +11859,23 @@
             </a:r>
             <a:endParaRPr/>
           </a:p>
+          <a:p>
+            <a:pPr indent="-311150" lvl="0" marL="457200" rtl="0" algn="l">
+              <a:spcBef>
+                <a:spcPts val="0"/>
+              </a:spcBef>
+              <a:spcAft>
+                <a:spcPts val="0"/>
+              </a:spcAft>
+              <a:buSzPts val="1300"/>
+              <a:buChar char="●"/>
+            </a:pPr>
+            <a:r>
+              <a:rPr lang="en"/>
+              <a:t>We also used pgAdmin in order to create, display, and edit our tables</a:t>
+            </a:r>
+            <a:endParaRPr/>
+          </a:p>
         </p:txBody>
       </p:sp>
     </p:spTree>
@@ -11073,6 +11887,285 @@
 </file>
 
 <file path=ppt/theme/theme1.xml><?xml version="1.0" encoding="utf-8"?>
+<a:theme xmlns:a="http://schemas.openxmlformats.org/drawingml/2006/main" xmlns:r="http://schemas.openxmlformats.org/officeDocument/2006/relationships" name="Focus">
+  <a:themeElements>
+    <a:clrScheme name="Focus">
+      <a:dk1>
+        <a:srgbClr val="1B212C"/>
+      </a:dk1>
+      <a:lt1>
+        <a:srgbClr val="FFFFFF"/>
+      </a:lt1>
+      <a:dk2>
+        <a:srgbClr val="D9D9D9"/>
+      </a:dk2>
+      <a:lt2>
+        <a:srgbClr val="82C7A5"/>
+      </a:lt2>
+      <a:accent1>
+        <a:srgbClr val="0145AC"/>
+      </a:accent1>
+      <a:accent2>
+        <a:srgbClr val="EECE1A"/>
+      </a:accent2>
+      <a:accent3>
+        <a:srgbClr val="4E5567"/>
+      </a:accent3>
+      <a:accent4>
+        <a:srgbClr val="F4D6AD"/>
+      </a:accent4>
+      <a:accent5>
+        <a:srgbClr val="7890CD"/>
+      </a:accent5>
+      <a:accent6>
+        <a:srgbClr val="F15E22"/>
+      </a:accent6>
+      <a:hlink>
+        <a:srgbClr val="7890CD"/>
+      </a:hlink>
+      <a:folHlink>
+        <a:srgbClr val="7890CD"/>
+      </a:folHlink>
+    </a:clrScheme>
+    <a:fontScheme name="Office">
+      <a:majorFont>
+        <a:latin typeface="Arial"/>
+        <a:ea typeface=""/>
+        <a:cs typeface=""/>
+        <a:font script="Jpan" typeface="ＭＳ Ｐゴシック"/>
+        <a:font script="Hang" typeface="맑은 고딕"/>
+        <a:font script="Hans" typeface="宋体"/>
+        <a:font script="Hant" typeface="新細明體"/>
+        <a:font script="Arab" typeface="Times New Roman"/>
+        <a:font script="Hebr" typeface="Times New Roman"/>
+        <a:font script="Thai" typeface="Angsana New"/>
+        <a:font script="Ethi" typeface="Nyala"/>
+        <a:font script="Beng" typeface="Vrinda"/>
+        <a:font script="Gujr" typeface="Shruti"/>
+        <a:font script="Khmr" typeface="MoolBoran"/>
+        <a:font script="Knda" typeface="Tunga"/>
+        <a:font script="Guru" typeface="Raavi"/>
+        <a:font script="Cans" typeface="Euphemia"/>
+        <a:font script="Cher" typeface="Plantagenet Cherokee"/>
+        <a:font script="Yiii" typeface="Microsoft Yi Baiti"/>
+        <a:font script="Tibt" typeface="Microsoft Himalaya"/>
+        <a:font script="Thaa" typeface="MV Boli"/>
+        <a:font script="Deva" typeface="Mangal"/>
+        <a:font script="Telu" typeface="Gautami"/>
+        <a:font script="Taml" typeface="Latha"/>
+        <a:font script="Syrc" typeface="Estrangelo Edessa"/>
+        <a:font script="Orya" typeface="Kalinga"/>
+        <a:font script="Mlym" typeface="Kartika"/>
+        <a:font script="Laoo" typeface="DokChampa"/>
+        <a:font script="Sinh" typeface="Iskoola Pota"/>
+        <a:font script="Mong" typeface="Mongolian Baiti"/>
+        <a:font script="Viet" typeface="Times New Roman"/>
+        <a:font script="Uigh" typeface="Microsoft Uighur"/>
+        <a:font script="Geor" typeface="Sylfaen"/>
+      </a:majorFont>
+      <a:minorFont>
+        <a:latin typeface="Arial"/>
+        <a:ea typeface=""/>
+        <a:cs typeface=""/>
+        <a:font script="Jpan" typeface="ＭＳ Ｐゴシック"/>
+        <a:font script="Hang" typeface="맑은 고딕"/>
+        <a:font script="Hans" typeface="宋体"/>
+        <a:font script="Hant" typeface="新細明體"/>
+        <a:font script="Arab" typeface="Arial"/>
+        <a:font script="Hebr" typeface="Arial"/>
+        <a:font script="Thai" typeface="Cordia New"/>
+        <a:font script="Ethi" typeface="Nyala"/>
+        <a:font script="Beng" typeface="Vrinda"/>
+        <a:font script="Gujr" typeface="Shruti"/>
+        <a:font script="Khmr" typeface="DaunPenh"/>
+        <a:font script="Knda" typeface="Tunga"/>
+        <a:font script="Guru" typeface="Raavi"/>
+        <a:font script="Cans" typeface="Euphemia"/>
+        <a:font script="Cher" typeface="Plantagenet Cherokee"/>
+        <a:font script="Yiii" typeface="Microsoft Yi Baiti"/>
+        <a:font script="Tibt" typeface="Microsoft Himalaya"/>
+        <a:font script="Thaa" typeface="MV Boli"/>
+        <a:font script="Deva" typeface="Mangal"/>
+        <a:font script="Telu" typeface="Gautami"/>
+        <a:font script="Taml" typeface="Latha"/>
+        <a:font script="Syrc" typeface="Estrangelo Edessa"/>
+        <a:font script="Orya" typeface="Kalinga"/>
+        <a:font script="Mlym" typeface="Kartika"/>
+        <a:font script="Laoo" typeface="DokChampa"/>
+        <a:font script="Sinh" typeface="Iskoola Pota"/>
+        <a:font script="Mong" typeface="Mongolian Baiti"/>
+        <a:font script="Viet" typeface="Arial"/>
+        <a:font script="Uigh" typeface="Microsoft Uighur"/>
+        <a:font script="Geor" typeface="Sylfaen"/>
+      </a:minorFont>
+    </a:fontScheme>
+    <a:fmtScheme name="Office">
+      <a:fillStyleLst>
+        <a:solidFill>
+          <a:schemeClr val="phClr"/>
+        </a:solidFill>
+        <a:gradFill rotWithShape="1">
+          <a:gsLst>
+            <a:gs pos="0">
+              <a:schemeClr val="phClr">
+                <a:tint val="50000"/>
+                <a:satMod val="300000"/>
+              </a:schemeClr>
+            </a:gs>
+            <a:gs pos="35000">
+              <a:schemeClr val="phClr">
+                <a:tint val="37000"/>
+                <a:satMod val="300000"/>
+              </a:schemeClr>
+            </a:gs>
+            <a:gs pos="100000">
+              <a:schemeClr val="phClr">
+                <a:tint val="15000"/>
+                <a:satMod val="350000"/>
+              </a:schemeClr>
+            </a:gs>
+          </a:gsLst>
+          <a:lin ang="16200000" scaled="1"/>
+        </a:gradFill>
+        <a:gradFill rotWithShape="1">
+          <a:gsLst>
+            <a:gs pos="0">
+              <a:schemeClr val="phClr">
+                <a:tint val="100000"/>
+                <a:shade val="100000"/>
+                <a:satMod val="130000"/>
+              </a:schemeClr>
+            </a:gs>
+            <a:gs pos="100000">
+              <a:schemeClr val="phClr">
+                <a:tint val="50000"/>
+                <a:shade val="100000"/>
+                <a:satMod val="350000"/>
+              </a:schemeClr>
+            </a:gs>
+          </a:gsLst>
+          <a:lin ang="16200000" scaled="0"/>
+        </a:gradFill>
+      </a:fillStyleLst>
+      <a:lnStyleLst>
+        <a:ln w="9525" cap="flat" cmpd="sng" algn="ctr">
+          <a:solidFill>
+            <a:schemeClr val="phClr">
+              <a:shade val="95000"/>
+              <a:satMod val="105000"/>
+            </a:schemeClr>
+          </a:solidFill>
+          <a:prstDash val="solid"/>
+        </a:ln>
+        <a:ln w="25400" cap="flat" cmpd="sng" algn="ctr">
+          <a:solidFill>
+            <a:schemeClr val="phClr"/>
+          </a:solidFill>
+          <a:prstDash val="solid"/>
+        </a:ln>
+        <a:ln w="38100" cap="flat" cmpd="sng" algn="ctr">
+          <a:solidFill>
+            <a:schemeClr val="phClr"/>
+          </a:solidFill>
+          <a:prstDash val="solid"/>
+        </a:ln>
+      </a:lnStyleLst>
+      <a:effectStyleLst>
+        <a:effectStyle>
+          <a:effectLst>
+            <a:outerShdw blurRad="40000" dist="20000" dir="5400000" rotWithShape="0">
+              <a:srgbClr val="000000">
+                <a:alpha val="38000"/>
+              </a:srgbClr>
+            </a:outerShdw>
+          </a:effectLst>
+        </a:effectStyle>
+        <a:effectStyle>
+          <a:effectLst>
+            <a:outerShdw blurRad="40000" dist="23000" dir="5400000" rotWithShape="0">
+              <a:srgbClr val="000000">
+                <a:alpha val="35000"/>
+              </a:srgbClr>
+            </a:outerShdw>
+          </a:effectLst>
+        </a:effectStyle>
+        <a:effectStyle>
+          <a:effectLst>
+            <a:outerShdw blurRad="40000" dist="23000" dir="5400000" rotWithShape="0">
+              <a:srgbClr val="000000">
+                <a:alpha val="35000"/>
+              </a:srgbClr>
+            </a:outerShdw>
+          </a:effectLst>
+          <a:scene3d>
+            <a:camera prst="orthographicFront">
+              <a:rot lat="0" lon="0" rev="0"/>
+            </a:camera>
+            <a:lightRig rig="threePt" dir="t">
+              <a:rot lat="0" lon="0" rev="1200000"/>
+            </a:lightRig>
+          </a:scene3d>
+          <a:sp3d>
+            <a:bevelT w="63500" h="25400"/>
+          </a:sp3d>
+        </a:effectStyle>
+      </a:effectStyleLst>
+      <a:bgFillStyleLst>
+        <a:solidFill>
+          <a:schemeClr val="phClr"/>
+        </a:solidFill>
+        <a:gradFill rotWithShape="1">
+          <a:gsLst>
+            <a:gs pos="0">
+              <a:schemeClr val="phClr">
+                <a:tint val="40000"/>
+                <a:satMod val="350000"/>
+              </a:schemeClr>
+            </a:gs>
+            <a:gs pos="40000">
+              <a:schemeClr val="phClr">
+                <a:tint val="45000"/>
+                <a:shade val="99000"/>
+                <a:satMod val="350000"/>
+              </a:schemeClr>
+            </a:gs>
+            <a:gs pos="100000">
+              <a:schemeClr val="phClr">
+                <a:shade val="20000"/>
+                <a:satMod val="255000"/>
+              </a:schemeClr>
+            </a:gs>
+          </a:gsLst>
+          <a:path path="circle">
+            <a:fillToRect l="50000" t="-80000" r="50000" b="180000"/>
+          </a:path>
+        </a:gradFill>
+        <a:gradFill rotWithShape="1">
+          <a:gsLst>
+            <a:gs pos="0">
+              <a:schemeClr val="phClr">
+                <a:tint val="80000"/>
+                <a:satMod val="300000"/>
+              </a:schemeClr>
+            </a:gs>
+            <a:gs pos="100000">
+              <a:schemeClr val="phClr">
+                <a:shade val="30000"/>
+                <a:satMod val="200000"/>
+              </a:schemeClr>
+            </a:gs>
+          </a:gsLst>
+          <a:path path="circle">
+            <a:fillToRect l="50000" t="50000" r="50000" b="50000"/>
+          </a:path>
+        </a:gradFill>
+      </a:bgFillStyleLst>
+    </a:fmtScheme>
+  </a:themeElements>
+</a:theme>
+</file>
+
+<file path=ppt/theme/theme2.xml><?xml version="1.0" encoding="utf-8"?>
 <a:theme xmlns:a="http://schemas.openxmlformats.org/drawingml/2006/main" xmlns:r="http://schemas.openxmlformats.org/officeDocument/2006/relationships">
   <a:themeElements>
     <a:clrScheme name="Default">
@@ -11349,283 +12442,4 @@
     </a:fmtScheme>
   </a:themeElements>
 </a:theme>
-</file>
-
-<file path=ppt/theme/theme2.xml><?xml version="1.0" encoding="utf-8"?>
-<a:theme xmlns:a="http://schemas.openxmlformats.org/drawingml/2006/main" xmlns:r="http://schemas.openxmlformats.org/officeDocument/2006/relationships" name="Focus">
-  <a:themeElements>
-    <a:clrScheme name="Focus">
-      <a:dk1>
-        <a:srgbClr val="1B212C"/>
-      </a:dk1>
-      <a:lt1>
-        <a:srgbClr val="FFFFFF"/>
-      </a:lt1>
-      <a:dk2>
-        <a:srgbClr val="D9D9D9"/>
-      </a:dk2>
-      <a:lt2>
-        <a:srgbClr val="82C7A5"/>
-      </a:lt2>
-      <a:accent1>
-        <a:srgbClr val="0145AC"/>
-      </a:accent1>
-      <a:accent2>
-        <a:srgbClr val="EECE1A"/>
-      </a:accent2>
-      <a:accent3>
-        <a:srgbClr val="4E5567"/>
-      </a:accent3>
-      <a:accent4>
-        <a:srgbClr val="F4D6AD"/>
-      </a:accent4>
-      <a:accent5>
-        <a:srgbClr val="7890CD"/>
-      </a:accent5>
-      <a:accent6>
-        <a:srgbClr val="F15E22"/>
-      </a:accent6>
-      <a:hlink>
-        <a:srgbClr val="7890CD"/>
-      </a:hlink>
-      <a:folHlink>
-        <a:srgbClr val="7890CD"/>
-      </a:folHlink>
-    </a:clrScheme>
-    <a:fontScheme name="Office">
-      <a:majorFont>
-        <a:latin typeface="Arial"/>
-        <a:ea typeface=""/>
-        <a:cs typeface=""/>
-        <a:font script="Jpan" typeface="ＭＳ Ｐゴシック"/>
-        <a:font script="Hang" typeface="맑은 고딕"/>
-        <a:font script="Hans" typeface="宋体"/>
-        <a:font script="Hant" typeface="新細明體"/>
-        <a:font script="Arab" typeface="Times New Roman"/>
-        <a:font script="Hebr" typeface="Times New Roman"/>
-        <a:font script="Thai" typeface="Angsana New"/>
-        <a:font script="Ethi" typeface="Nyala"/>
-        <a:font script="Beng" typeface="Vrinda"/>
-        <a:font script="Gujr" typeface="Shruti"/>
-        <a:font script="Khmr" typeface="MoolBoran"/>
-        <a:font script="Knda" typeface="Tunga"/>
-        <a:font script="Guru" typeface="Raavi"/>
-        <a:font script="Cans" typeface="Euphemia"/>
-        <a:font script="Cher" typeface="Plantagenet Cherokee"/>
-        <a:font script="Yiii" typeface="Microsoft Yi Baiti"/>
-        <a:font script="Tibt" typeface="Microsoft Himalaya"/>
-        <a:font script="Thaa" typeface="MV Boli"/>
-        <a:font script="Deva" typeface="Mangal"/>
-        <a:font script="Telu" typeface="Gautami"/>
-        <a:font script="Taml" typeface="Latha"/>
-        <a:font script="Syrc" typeface="Estrangelo Edessa"/>
-        <a:font script="Orya" typeface="Kalinga"/>
-        <a:font script="Mlym" typeface="Kartika"/>
-        <a:font script="Laoo" typeface="DokChampa"/>
-        <a:font script="Sinh" typeface="Iskoola Pota"/>
-        <a:font script="Mong" typeface="Mongolian Baiti"/>
-        <a:font script="Viet" typeface="Times New Roman"/>
-        <a:font script="Uigh" typeface="Microsoft Uighur"/>
-        <a:font script="Geor" typeface="Sylfaen"/>
-      </a:majorFont>
-      <a:minorFont>
-        <a:latin typeface="Arial"/>
-        <a:ea typeface=""/>
-        <a:cs typeface=""/>
-        <a:font script="Jpan" typeface="ＭＳ Ｐゴシック"/>
-        <a:font script="Hang" typeface="맑은 고딕"/>
-        <a:font script="Hans" typeface="宋体"/>
-        <a:font script="Hant" typeface="新細明體"/>
-        <a:font script="Arab" typeface="Arial"/>
-        <a:font script="Hebr" typeface="Arial"/>
-        <a:font script="Thai" typeface="Cordia New"/>
-        <a:font script="Ethi" typeface="Nyala"/>
-        <a:font script="Beng" typeface="Vrinda"/>
-        <a:font script="Gujr" typeface="Shruti"/>
-        <a:font script="Khmr" typeface="DaunPenh"/>
-        <a:font script="Knda" typeface="Tunga"/>
-        <a:font script="Guru" typeface="Raavi"/>
-        <a:font script="Cans" typeface="Euphemia"/>
-        <a:font script="Cher" typeface="Plantagenet Cherokee"/>
-        <a:font script="Yiii" typeface="Microsoft Yi Baiti"/>
-        <a:font script="Tibt" typeface="Microsoft Himalaya"/>
-        <a:font script="Thaa" typeface="MV Boli"/>
-        <a:font script="Deva" typeface="Mangal"/>
-        <a:font script="Telu" typeface="Gautami"/>
-        <a:font script="Taml" typeface="Latha"/>
-        <a:font script="Syrc" typeface="Estrangelo Edessa"/>
-        <a:font script="Orya" typeface="Kalinga"/>
-        <a:font script="Mlym" typeface="Kartika"/>
-        <a:font script="Laoo" typeface="DokChampa"/>
-        <a:font script="Sinh" typeface="Iskoola Pota"/>
-        <a:font script="Mong" typeface="Mongolian Baiti"/>
-        <a:font script="Viet" typeface="Arial"/>
-        <a:font script="Uigh" typeface="Microsoft Uighur"/>
-        <a:font script="Geor" typeface="Sylfaen"/>
-      </a:minorFont>
-    </a:fontScheme>
-    <a:fmtScheme name="Office">
-      <a:fillStyleLst>
-        <a:solidFill>
-          <a:schemeClr val="phClr"/>
-        </a:solidFill>
-        <a:gradFill rotWithShape="1">
-          <a:gsLst>
-            <a:gs pos="0">
-              <a:schemeClr val="phClr">
-                <a:tint val="50000"/>
-                <a:satMod val="300000"/>
-              </a:schemeClr>
-            </a:gs>
-            <a:gs pos="35000">
-              <a:schemeClr val="phClr">
-                <a:tint val="37000"/>
-                <a:satMod val="300000"/>
-              </a:schemeClr>
-            </a:gs>
-            <a:gs pos="100000">
-              <a:schemeClr val="phClr">
-                <a:tint val="15000"/>
-                <a:satMod val="350000"/>
-              </a:schemeClr>
-            </a:gs>
-          </a:gsLst>
-          <a:lin ang="16200000" scaled="1"/>
-        </a:gradFill>
-        <a:gradFill rotWithShape="1">
-          <a:gsLst>
-            <a:gs pos="0">
-              <a:schemeClr val="phClr">
-                <a:tint val="100000"/>
-                <a:shade val="100000"/>
-                <a:satMod val="130000"/>
-              </a:schemeClr>
-            </a:gs>
-            <a:gs pos="100000">
-              <a:schemeClr val="phClr">
-                <a:tint val="50000"/>
-                <a:shade val="100000"/>
-                <a:satMod val="350000"/>
-              </a:schemeClr>
-            </a:gs>
-          </a:gsLst>
-          <a:lin ang="16200000" scaled="0"/>
-        </a:gradFill>
-      </a:fillStyleLst>
-      <a:lnStyleLst>
-        <a:ln w="9525" cap="flat" cmpd="sng" algn="ctr">
-          <a:solidFill>
-            <a:schemeClr val="phClr">
-              <a:shade val="95000"/>
-              <a:satMod val="105000"/>
-            </a:schemeClr>
-          </a:solidFill>
-          <a:prstDash val="solid"/>
-        </a:ln>
-        <a:ln w="25400" cap="flat" cmpd="sng" algn="ctr">
-          <a:solidFill>
-            <a:schemeClr val="phClr"/>
-          </a:solidFill>
-          <a:prstDash val="solid"/>
-        </a:ln>
-        <a:ln w="38100" cap="flat" cmpd="sng" algn="ctr">
-          <a:solidFill>
-            <a:schemeClr val="phClr"/>
-          </a:solidFill>
-          <a:prstDash val="solid"/>
-        </a:ln>
-      </a:lnStyleLst>
-      <a:effectStyleLst>
-        <a:effectStyle>
-          <a:effectLst>
-            <a:outerShdw blurRad="40000" dist="20000" dir="5400000" rotWithShape="0">
-              <a:srgbClr val="000000">
-                <a:alpha val="38000"/>
-              </a:srgbClr>
-            </a:outerShdw>
-          </a:effectLst>
-        </a:effectStyle>
-        <a:effectStyle>
-          <a:effectLst>
-            <a:outerShdw blurRad="40000" dist="23000" dir="5400000" rotWithShape="0">
-              <a:srgbClr val="000000">
-                <a:alpha val="35000"/>
-              </a:srgbClr>
-            </a:outerShdw>
-          </a:effectLst>
-        </a:effectStyle>
-        <a:effectStyle>
-          <a:effectLst>
-            <a:outerShdw blurRad="40000" dist="23000" dir="5400000" rotWithShape="0">
-              <a:srgbClr val="000000">
-                <a:alpha val="35000"/>
-              </a:srgbClr>
-            </a:outerShdw>
-          </a:effectLst>
-          <a:scene3d>
-            <a:camera prst="orthographicFront">
-              <a:rot lat="0" lon="0" rev="0"/>
-            </a:camera>
-            <a:lightRig rig="threePt" dir="t">
-              <a:rot lat="0" lon="0" rev="1200000"/>
-            </a:lightRig>
-          </a:scene3d>
-          <a:sp3d>
-            <a:bevelT w="63500" h="25400"/>
-          </a:sp3d>
-        </a:effectStyle>
-      </a:effectStyleLst>
-      <a:bgFillStyleLst>
-        <a:solidFill>
-          <a:schemeClr val="phClr"/>
-        </a:solidFill>
-        <a:gradFill rotWithShape="1">
-          <a:gsLst>
-            <a:gs pos="0">
-              <a:schemeClr val="phClr">
-                <a:tint val="40000"/>
-                <a:satMod val="350000"/>
-              </a:schemeClr>
-            </a:gs>
-            <a:gs pos="40000">
-              <a:schemeClr val="phClr">
-                <a:tint val="45000"/>
-                <a:shade val="99000"/>
-                <a:satMod val="350000"/>
-              </a:schemeClr>
-            </a:gs>
-            <a:gs pos="100000">
-              <a:schemeClr val="phClr">
-                <a:shade val="20000"/>
-                <a:satMod val="255000"/>
-              </a:schemeClr>
-            </a:gs>
-          </a:gsLst>
-          <a:path path="circle">
-            <a:fillToRect l="50000" t="-80000" r="50000" b="180000"/>
-          </a:path>
-        </a:gradFill>
-        <a:gradFill rotWithShape="1">
-          <a:gsLst>
-            <a:gs pos="0">
-              <a:schemeClr val="phClr">
-                <a:tint val="80000"/>
-                <a:satMod val="300000"/>
-              </a:schemeClr>
-            </a:gs>
-            <a:gs pos="100000">
-              <a:schemeClr val="phClr">
-                <a:shade val="30000"/>
-                <a:satMod val="200000"/>
-              </a:schemeClr>
-            </a:gs>
-          </a:gsLst>
-          <a:path path="circle">
-            <a:fillToRect l="50000" t="50000" r="50000" b="50000"/>
-          </a:path>
-        </a:gradFill>
-      </a:bgFillStyleLst>
-    </a:fmtScheme>
-  </a:themeElements>
-</a:theme>
 </file>